--- a/A1008.pptx
+++ b/A1008.pptx
@@ -13,13 +13,17 @@
     <p:sldId id="260" r:id="rId7"/>
     <p:sldId id="261" r:id="rId8"/>
     <p:sldId id="262" r:id="rId9"/>
-    <p:sldId id="263" r:id="rId10"/>
-    <p:sldId id="264" r:id="rId11"/>
-    <p:sldId id="265" r:id="rId12"/>
-    <p:sldId id="268" r:id="rId13"/>
-    <p:sldId id="266" r:id="rId14"/>
-    <p:sldId id="267" r:id="rId15"/>
-    <p:sldId id="271" r:id="rId16"/>
+    <p:sldId id="272" r:id="rId10"/>
+    <p:sldId id="273" r:id="rId11"/>
+    <p:sldId id="274" r:id="rId12"/>
+    <p:sldId id="275" r:id="rId13"/>
+    <p:sldId id="276" r:id="rId14"/>
+    <p:sldId id="264" r:id="rId15"/>
+    <p:sldId id="265" r:id="rId16"/>
+    <p:sldId id="268" r:id="rId17"/>
+    <p:sldId id="266" r:id="rId18"/>
+    <p:sldId id="267" r:id="rId19"/>
+    <p:sldId id="271" r:id="rId20"/>
   </p:sldIdLst>
   <p:sldSz cx="12192000" cy="6858000"/>
   <p:notesSz cx="6858000" cy="9144000"/>
@@ -430,7 +434,7 @@
             <a:fld id="{B61BEF0D-F0BB-DE4B-95CE-6DB70DBA9567}" type="datetimeFigureOut">
               <a:rPr lang="en-US" dirty="0"/>
               <a:pPr/>
-              <a:t>4/22/2022</a:t>
+              <a:t>4/24/2022</a:t>
             </a:fld>
             <a:endParaRPr lang="en-US" dirty="0"/>
           </a:p>
@@ -718,7 +722,7 @@
             <a:fld id="{B61BEF0D-F0BB-DE4B-95CE-6DB70DBA9567}" type="datetimeFigureOut">
               <a:rPr lang="en-US" dirty="0"/>
               <a:pPr/>
-              <a:t>4/22/2022</a:t>
+              <a:t>4/24/2022</a:t>
             </a:fld>
             <a:endParaRPr lang="en-US" dirty="0"/>
           </a:p>
@@ -974,7 +978,7 @@
             <a:fld id="{B61BEF0D-F0BB-DE4B-95CE-6DB70DBA9567}" type="datetimeFigureOut">
               <a:rPr lang="en-US" dirty="0"/>
               <a:pPr/>
-              <a:t>4/22/2022</a:t>
+              <a:t>4/24/2022</a:t>
             </a:fld>
             <a:endParaRPr lang="en-US" dirty="0"/>
           </a:p>
@@ -1440,7 +1444,7 @@
             <a:fld id="{B61BEF0D-F0BB-DE4B-95CE-6DB70DBA9567}" type="datetimeFigureOut">
               <a:rPr lang="en-US" dirty="0"/>
               <a:pPr/>
-              <a:t>4/22/2022</a:t>
+              <a:t>4/24/2022</a:t>
             </a:fld>
             <a:endParaRPr lang="en-US" dirty="0"/>
           </a:p>
@@ -1617,7 +1621,7 @@
             <a:fld id="{B61BEF0D-F0BB-DE4B-95CE-6DB70DBA9567}" type="datetimeFigureOut">
               <a:rPr lang="en-US" dirty="0"/>
               <a:pPr/>
-              <a:t>4/22/2022</a:t>
+              <a:t>4/24/2022</a:t>
             </a:fld>
             <a:endParaRPr lang="en-US" dirty="0"/>
           </a:p>
@@ -2190,7 +2194,7 @@
             <a:fld id="{B61BEF0D-F0BB-DE4B-95CE-6DB70DBA9567}" type="datetimeFigureOut">
               <a:rPr lang="en-US" dirty="0"/>
               <a:pPr/>
-              <a:t>4/22/2022</a:t>
+              <a:t>4/24/2022</a:t>
             </a:fld>
             <a:endParaRPr lang="en-US" dirty="0"/>
           </a:p>
@@ -2519,7 +2523,7 @@
             <a:fld id="{B61BEF0D-F0BB-DE4B-95CE-6DB70DBA9567}" type="datetimeFigureOut">
               <a:rPr lang="en-US" dirty="0"/>
               <a:pPr/>
-              <a:t>4/22/2022</a:t>
+              <a:t>4/24/2022</a:t>
             </a:fld>
             <a:endParaRPr lang="en-US" dirty="0"/>
           </a:p>
@@ -2691,7 +2695,7 @@
             <a:fld id="{B61BEF0D-F0BB-DE4B-95CE-6DB70DBA9567}" type="datetimeFigureOut">
               <a:rPr lang="en-US" dirty="0"/>
               <a:pPr/>
-              <a:t>4/22/2022</a:t>
+              <a:t>4/24/2022</a:t>
             </a:fld>
             <a:endParaRPr lang="en-US" dirty="0"/>
           </a:p>
@@ -2868,7 +2872,7 @@
             <a:fld id="{B61BEF0D-F0BB-DE4B-95CE-6DB70DBA9567}" type="datetimeFigureOut">
               <a:rPr lang="en-US" dirty="0"/>
               <a:pPr/>
-              <a:t>4/22/2022</a:t>
+              <a:t>4/24/2022</a:t>
             </a:fld>
             <a:endParaRPr lang="en-US" dirty="0"/>
           </a:p>
@@ -3035,7 +3039,7 @@
             <a:fld id="{B61BEF0D-F0BB-DE4B-95CE-6DB70DBA9567}" type="datetimeFigureOut">
               <a:rPr lang="en-US" dirty="0"/>
               <a:pPr/>
-              <a:t>4/22/2022</a:t>
+              <a:t>4/24/2022</a:t>
             </a:fld>
             <a:endParaRPr lang="en-US" dirty="0"/>
           </a:p>
@@ -3289,7 +3293,7 @@
             <a:fld id="{B61BEF0D-F0BB-DE4B-95CE-6DB70DBA9567}" type="datetimeFigureOut">
               <a:rPr lang="en-US" dirty="0"/>
               <a:pPr/>
-              <a:t>4/22/2022</a:t>
+              <a:t>4/24/2022</a:t>
             </a:fld>
             <a:endParaRPr lang="en-US" dirty="0"/>
           </a:p>
@@ -3578,7 +3582,7 @@
             <a:fld id="{B61BEF0D-F0BB-DE4B-95CE-6DB70DBA9567}" type="datetimeFigureOut">
               <a:rPr lang="en-US" dirty="0"/>
               <a:pPr/>
-              <a:t>4/22/2022</a:t>
+              <a:t>4/24/2022</a:t>
             </a:fld>
             <a:endParaRPr lang="en-US" dirty="0"/>
           </a:p>
@@ -4005,7 +4009,7 @@
             <a:fld id="{B61BEF0D-F0BB-DE4B-95CE-6DB70DBA9567}" type="datetimeFigureOut">
               <a:rPr lang="en-US" dirty="0"/>
               <a:pPr/>
-              <a:t>4/22/2022</a:t>
+              <a:t>4/24/2022</a:t>
             </a:fld>
             <a:endParaRPr lang="en-US" dirty="0"/>
           </a:p>
@@ -4120,7 +4124,7 @@
             <a:fld id="{B61BEF0D-F0BB-DE4B-95CE-6DB70DBA9567}" type="datetimeFigureOut">
               <a:rPr lang="en-US" dirty="0"/>
               <a:pPr/>
-              <a:t>4/22/2022</a:t>
+              <a:t>4/24/2022</a:t>
             </a:fld>
             <a:endParaRPr lang="en-US" dirty="0"/>
           </a:p>
@@ -4212,7 +4216,7 @@
             <a:fld id="{B61BEF0D-F0BB-DE4B-95CE-6DB70DBA9567}" type="datetimeFigureOut">
               <a:rPr lang="en-US" dirty="0"/>
               <a:pPr/>
-              <a:t>4/22/2022</a:t>
+              <a:t>4/24/2022</a:t>
             </a:fld>
             <a:endParaRPr lang="en-US" dirty="0"/>
           </a:p>
@@ -4492,7 +4496,7 @@
             <a:fld id="{B61BEF0D-F0BB-DE4B-95CE-6DB70DBA9567}" type="datetimeFigureOut">
               <a:rPr lang="en-US" dirty="0"/>
               <a:pPr/>
-              <a:t>4/22/2022</a:t>
+              <a:t>4/24/2022</a:t>
             </a:fld>
             <a:endParaRPr lang="en-US" dirty="0"/>
           </a:p>
@@ -4780,7 +4784,7 @@
             <a:fld id="{B61BEF0D-F0BB-DE4B-95CE-6DB70DBA9567}" type="datetimeFigureOut">
               <a:rPr lang="en-US" dirty="0"/>
               <a:pPr/>
-              <a:t>4/22/2022</a:t>
+              <a:t>4/24/2022</a:t>
             </a:fld>
             <a:endParaRPr lang="en-US" dirty="0"/>
           </a:p>
@@ -5008,7 +5012,7 @@
             <a:fld id="{B61BEF0D-F0BB-DE4B-95CE-6DB70DBA9567}" type="datetimeFigureOut">
               <a:rPr lang="en-US" dirty="0"/>
               <a:pPr/>
-              <a:t>4/22/2022</a:t>
+              <a:t>4/24/2022</a:t>
             </a:fld>
             <a:endParaRPr lang="en-US" dirty="0"/>
           </a:p>
@@ -5875,7 +5879,7 @@
           <p:cNvPr id="2" name="Titel 1">
             <a:extLst>
               <a:ext uri="{FF2B5EF4-FFF2-40B4-BE49-F238E27FC236}">
-                <a16:creationId xmlns:a16="http://schemas.microsoft.com/office/drawing/2014/main" id="{418E86E0-BFFD-4BE2-A8D1-4AF67F747C9B}"/>
+                <a16:creationId xmlns:a16="http://schemas.microsoft.com/office/drawing/2014/main" id="{F9C5DDC6-28DD-41B0-BEAA-59D859D28A49}"/>
               </a:ext>
             </a:extLst>
           </p:cNvPr>
@@ -5886,48 +5890,437 @@
             <p:ph type="title"/>
           </p:nvPr>
         </p:nvSpPr>
-        <p:spPr/>
-        <p:txBody>
-          <a:bodyPr/>
+        <p:spPr>
+          <a:xfrm>
+            <a:off x="1141413" y="609600"/>
+            <a:ext cx="9905998" cy="1216025"/>
+          </a:xfrm>
+        </p:spPr>
+        <p:txBody>
+          <a:bodyPr>
+            <a:normAutofit/>
+          </a:bodyPr>
           <a:lstStyle/>
           <a:p>
-            <a:pPr algn="ctr"/>
-            <a:r>
-              <a:rPr lang="de-DE" dirty="0"/>
-              <a:t>PERT - Beispiele</a:t>
-            </a:r>
-          </a:p>
-        </p:txBody>
-      </p:sp>
-      <p:sp>
-        <p:nvSpPr>
-          <p:cNvPr id="3" name="Inhaltsplatzhalter 2">
-            <a:extLst>
-              <a:ext uri="{FF2B5EF4-FFF2-40B4-BE49-F238E27FC236}">
-                <a16:creationId xmlns:a16="http://schemas.microsoft.com/office/drawing/2014/main" id="{C7585DBD-B811-4A4C-AB6D-E75156A0037B}"/>
-              </a:ext>
-            </a:extLst>
-          </p:cNvPr>
-          <p:cNvSpPr>
-            <a:spLocks noGrp="1"/>
-          </p:cNvSpPr>
-          <p:nvPr>
-            <p:ph idx="1"/>
-          </p:nvPr>
-        </p:nvSpPr>
-        <p:spPr/>
-        <p:txBody>
-          <a:bodyPr/>
-          <a:lstStyle/>
-          <a:p>
-            <a:endParaRPr lang="de-DE"/>
-          </a:p>
-        </p:txBody>
-      </p:sp>
+            <a:r>
+              <a:rPr lang="de-DE" sz="4000" dirty="0"/>
+              <a:t>PERT – Funktionsweise</a:t>
+            </a:r>
+            <a:endParaRPr lang="de-DE" sz="2800" dirty="0"/>
+          </a:p>
+        </p:txBody>
+      </p:sp>
+      <mc:AlternateContent xmlns:mc="http://schemas.openxmlformats.org/markup-compatibility/2006">
+        <mc:Choice xmlns:a14="http://schemas.microsoft.com/office/drawing/2010/main" Requires="a14">
+          <p:sp>
+            <p:nvSpPr>
+              <p:cNvPr id="3" name="Inhaltsplatzhalter 2">
+                <a:extLst>
+                  <a:ext uri="{FF2B5EF4-FFF2-40B4-BE49-F238E27FC236}">
+                    <a16:creationId xmlns:a16="http://schemas.microsoft.com/office/drawing/2014/main" id="{FB3EE294-19E4-414D-ABB0-4AE520A93A1F}"/>
+                  </a:ext>
+                </a:extLst>
+              </p:cNvPr>
+              <p:cNvSpPr>
+                <a:spLocks noGrp="1"/>
+              </p:cNvSpPr>
+              <p:nvPr>
+                <p:ph idx="1"/>
+              </p:nvPr>
+            </p:nvSpPr>
+            <p:spPr>
+              <a:xfrm>
+                <a:off x="838200" y="2050473"/>
+                <a:ext cx="10515600" cy="4126490"/>
+              </a:xfrm>
+            </p:spPr>
+            <p:txBody>
+              <a:bodyPr>
+                <a:normAutofit fontScale="92500" lnSpcReduction="10000"/>
+              </a:bodyPr>
+              <a:lstStyle/>
+              <a:p>
+                <a:pPr algn="l"/>
+                <a:r>
+                  <a:rPr lang="de-DE" sz="2400" dirty="0"/>
+                  <a:t>Alle Events und Aktivitäten / Arbeitsschritte des Projekts identifizieren </a:t>
+                </a:r>
+              </a:p>
+              <a:p>
+                <a:pPr marL="0" indent="0" algn="l">
+                  <a:buNone/>
+                </a:pPr>
+                <a:r>
+                  <a:rPr lang="de-DE" sz="2400" dirty="0"/>
+                  <a:t>-&gt; Diese nennt man auch Nodes</a:t>
+                </a:r>
+              </a:p>
+              <a:p>
+                <a:pPr algn="l"/>
+                <a:r>
+                  <a:rPr lang="de-DE" sz="2400" dirty="0"/>
+                  <a:t>Plan erstellen: Zusammenhang von Nodes</a:t>
+                </a:r>
+              </a:p>
+              <a:p>
+                <a:pPr marL="0" indent="0" algn="l">
+                  <a:buNone/>
+                </a:pPr>
+                <a:r>
+                  <a:rPr lang="de-DE" sz="2400" dirty="0"/>
+                  <a:t>-&gt; Bsp.: Um an Node C zu arbeiten muss Node A fertig sein</a:t>
+                </a:r>
+              </a:p>
+              <a:p>
+                <a:pPr marL="0" indent="0" algn="l">
+                  <a:buNone/>
+                </a:pPr>
+                <a:endParaRPr lang="de-DE" sz="1400" dirty="0"/>
+              </a:p>
+              <a:p>
+                <a:pPr algn="l"/>
+                <a:r>
+                  <a:rPr lang="de-DE" sz="2400" dirty="0"/>
+                  <a:t>Für alle Nodes schätzen: min., max. und </a:t>
+                </a:r>
+                <a:r>
+                  <a:rPr lang="de-DE" sz="2400" b="0" i="0" dirty="0">
+                    <a:solidFill>
+                      <a:schemeClr val="tx1"/>
+                    </a:solidFill>
+                    <a:effectLst/>
+                    <a:latin typeface="Arial" panose="020B0604020202020204" pitchFamily="34" charset="0"/>
+                  </a:rPr>
+                  <a:t>ø</a:t>
+                </a:r>
+                <a:r>
+                  <a:rPr lang="de-DE" sz="2400" b="0" i="0" dirty="0">
+                    <a:effectLst/>
+                  </a:rPr>
+                  <a:t> Dauer</a:t>
+                </a:r>
+              </a:p>
+              <a:p>
+                <a:r>
+                  <a:rPr lang="de-DE" sz="2400" dirty="0"/>
+                  <a:t>Geschätzte Dauer: </a:t>
+                </a:r>
+                <a14:m>
+                  <m:oMath xmlns:m="http://schemas.openxmlformats.org/officeDocument/2006/math">
+                    <m:f>
+                      <m:fPr>
+                        <m:ctrlPr>
+                          <a:rPr lang="de-DE" sz="2400" dirty="0" smtClean="0">
+                            <a:solidFill>
+                              <a:schemeClr val="tx1"/>
+                            </a:solidFill>
+                            <a:effectLst/>
+                            <a:latin typeface="Cambria Math" panose="02040503050406030204" pitchFamily="18" charset="0"/>
+                            <a:ea typeface="Cambria Math" panose="02040503050406030204" pitchFamily="18" charset="0"/>
+                          </a:rPr>
+                        </m:ctrlPr>
+                      </m:fPr>
+                      <m:num>
+                        <m:r>
+                          <a:rPr lang="de-DE" sz="2400" b="0" i="0" dirty="0" smtClean="0">
+                            <a:solidFill>
+                              <a:schemeClr val="tx1"/>
+                            </a:solidFill>
+                            <a:effectLst/>
+                            <a:latin typeface="Cambria Math" panose="02040503050406030204" pitchFamily="18" charset="0"/>
+                            <a:ea typeface="Cambria Math" panose="02040503050406030204" pitchFamily="18" charset="0"/>
+                          </a:rPr>
+                          <m:t>4∗</m:t>
+                        </m:r>
+                        <m:sSub>
+                          <m:sSubPr>
+                            <m:ctrlPr>
+                              <a:rPr lang="de-DE" sz="2400" dirty="0" smtClean="0">
+                                <a:solidFill>
+                                  <a:schemeClr val="tx1"/>
+                                </a:solidFill>
+                                <a:effectLst/>
+                                <a:latin typeface="Cambria Math" panose="02040503050406030204" pitchFamily="18" charset="0"/>
+                                <a:ea typeface="Cambria Math" panose="02040503050406030204" pitchFamily="18" charset="0"/>
+                              </a:rPr>
+                            </m:ctrlPr>
+                          </m:sSubPr>
+                          <m:e>
+                            <m:r>
+                              <m:rPr>
+                                <m:sty m:val="p"/>
+                              </m:rPr>
+                              <a:rPr lang="de-DE" sz="2400" b="0" i="0" dirty="0" smtClean="0">
+                                <a:solidFill>
+                                  <a:schemeClr val="tx1"/>
+                                </a:solidFill>
+                                <a:effectLst/>
+                                <a:latin typeface="Cambria Math" panose="02040503050406030204" pitchFamily="18" charset="0"/>
+                                <a:ea typeface="Cambria Math" panose="02040503050406030204" pitchFamily="18" charset="0"/>
+                              </a:rPr>
+                              <m:t>D</m:t>
+                            </m:r>
+                          </m:e>
+                          <m:sub>
+                            <m:r>
+                              <m:rPr>
+                                <m:nor/>
+                              </m:rPr>
+                              <a:rPr lang="de-DE" sz="2400"/>
+                              <m:t>ø</m:t>
+                            </m:r>
+                          </m:sub>
+                        </m:sSub>
+                        <m:r>
+                          <a:rPr lang="de-DE" sz="2400" b="0" i="0" dirty="0" smtClean="0">
+                            <a:solidFill>
+                              <a:schemeClr val="tx1"/>
+                            </a:solidFill>
+                            <a:effectLst/>
+                            <a:latin typeface="Cambria Math" panose="02040503050406030204" pitchFamily="18" charset="0"/>
+                            <a:ea typeface="Cambria Math" panose="02040503050406030204" pitchFamily="18" charset="0"/>
+                          </a:rPr>
+                          <m:t>+</m:t>
+                        </m:r>
+                        <m:sSub>
+                          <m:sSubPr>
+                            <m:ctrlPr>
+                              <a:rPr lang="de-DE" sz="2400" dirty="0" smtClean="0">
+                                <a:solidFill>
+                                  <a:schemeClr val="tx1"/>
+                                </a:solidFill>
+                                <a:effectLst/>
+                                <a:latin typeface="Cambria Math" panose="02040503050406030204" pitchFamily="18" charset="0"/>
+                                <a:ea typeface="Cambria Math" panose="02040503050406030204" pitchFamily="18" charset="0"/>
+                              </a:rPr>
+                            </m:ctrlPr>
+                          </m:sSubPr>
+                          <m:e>
+                            <m:r>
+                              <m:rPr>
+                                <m:sty m:val="p"/>
+                              </m:rPr>
+                              <a:rPr lang="de-DE" sz="2400" b="0" i="0" dirty="0" smtClean="0">
+                                <a:solidFill>
+                                  <a:schemeClr val="tx1"/>
+                                </a:solidFill>
+                                <a:effectLst/>
+                                <a:latin typeface="Cambria Math" panose="02040503050406030204" pitchFamily="18" charset="0"/>
+                                <a:ea typeface="Cambria Math" panose="02040503050406030204" pitchFamily="18" charset="0"/>
+                              </a:rPr>
+                              <m:t>D</m:t>
+                            </m:r>
+                          </m:e>
+                          <m:sub>
+                            <m:r>
+                              <m:rPr>
+                                <m:sty m:val="p"/>
+                              </m:rPr>
+                              <a:rPr lang="de-DE" sz="2400" b="0" i="0" dirty="0" smtClean="0">
+                                <a:solidFill>
+                                  <a:schemeClr val="tx1"/>
+                                </a:solidFill>
+                                <a:effectLst/>
+                                <a:latin typeface="Cambria Math" panose="02040503050406030204" pitchFamily="18" charset="0"/>
+                                <a:ea typeface="Cambria Math" panose="02040503050406030204" pitchFamily="18" charset="0"/>
+                              </a:rPr>
+                              <m:t>min</m:t>
+                            </m:r>
+                          </m:sub>
+                        </m:sSub>
+                        <m:r>
+                          <a:rPr lang="de-DE" sz="2400" b="0" i="0" dirty="0" smtClean="0">
+                            <a:solidFill>
+                              <a:schemeClr val="tx1"/>
+                            </a:solidFill>
+                            <a:effectLst/>
+                            <a:latin typeface="Cambria Math" panose="02040503050406030204" pitchFamily="18" charset="0"/>
+                            <a:ea typeface="Cambria Math" panose="02040503050406030204" pitchFamily="18" charset="0"/>
+                          </a:rPr>
+                          <m:t>+</m:t>
+                        </m:r>
+                        <m:sSub>
+                          <m:sSubPr>
+                            <m:ctrlPr>
+                              <a:rPr lang="de-DE" sz="2400" dirty="0" smtClean="0">
+                                <a:solidFill>
+                                  <a:schemeClr val="tx1"/>
+                                </a:solidFill>
+                                <a:effectLst/>
+                                <a:latin typeface="Cambria Math" panose="02040503050406030204" pitchFamily="18" charset="0"/>
+                                <a:ea typeface="Cambria Math" panose="02040503050406030204" pitchFamily="18" charset="0"/>
+                              </a:rPr>
+                            </m:ctrlPr>
+                          </m:sSubPr>
+                          <m:e>
+                            <m:r>
+                              <m:rPr>
+                                <m:sty m:val="p"/>
+                              </m:rPr>
+                              <a:rPr lang="de-DE" sz="2400" b="0" i="0" dirty="0" smtClean="0">
+                                <a:solidFill>
+                                  <a:schemeClr val="tx1"/>
+                                </a:solidFill>
+                                <a:effectLst/>
+                                <a:latin typeface="Cambria Math" panose="02040503050406030204" pitchFamily="18" charset="0"/>
+                                <a:ea typeface="Cambria Math" panose="02040503050406030204" pitchFamily="18" charset="0"/>
+                              </a:rPr>
+                              <m:t>D</m:t>
+                            </m:r>
+                          </m:e>
+                          <m:sub>
+                            <m:r>
+                              <m:rPr>
+                                <m:sty m:val="p"/>
+                              </m:rPr>
+                              <a:rPr lang="de-DE" sz="2400" b="0" i="0" dirty="0" smtClean="0">
+                                <a:solidFill>
+                                  <a:schemeClr val="tx1"/>
+                                </a:solidFill>
+                                <a:effectLst/>
+                                <a:latin typeface="Cambria Math" panose="02040503050406030204" pitchFamily="18" charset="0"/>
+                                <a:ea typeface="Cambria Math" panose="02040503050406030204" pitchFamily="18" charset="0"/>
+                              </a:rPr>
+                              <m:t>max</m:t>
+                            </m:r>
+                          </m:sub>
+                        </m:sSub>
+                      </m:num>
+                      <m:den>
+                        <m:r>
+                          <a:rPr lang="de-DE" sz="2400" b="0" i="0" dirty="0" smtClean="0">
+                            <a:solidFill>
+                              <a:schemeClr val="tx1"/>
+                            </a:solidFill>
+                            <a:effectLst/>
+                            <a:latin typeface="Cambria Math" panose="02040503050406030204" pitchFamily="18" charset="0"/>
+                            <a:ea typeface="Cambria Math" panose="02040503050406030204" pitchFamily="18" charset="0"/>
+                          </a:rPr>
+                          <m:t>6</m:t>
+                        </m:r>
+                      </m:den>
+                    </m:f>
+                  </m:oMath>
+                </a14:m>
+                <a:r>
+                  <a:rPr lang="de-DE" sz="2400" dirty="0">
+                    <a:solidFill>
+                      <a:schemeClr val="tx1"/>
+                    </a:solidFill>
+                    <a:latin typeface="Cambria Math" panose="02040503050406030204" pitchFamily="18" charset="0"/>
+                    <a:ea typeface="Cambria Math" panose="02040503050406030204" pitchFamily="18" charset="0"/>
+                  </a:rPr>
+                  <a:t>		</a:t>
+                </a:r>
+                <a:r>
+                  <a:rPr lang="de-DE" sz="2000" dirty="0">
+                    <a:solidFill>
+                      <a:schemeClr val="tx1"/>
+                    </a:solidFill>
+                    <a:ea typeface="Cambria Math" panose="02040503050406030204" pitchFamily="18" charset="0"/>
+                  </a:rPr>
+                  <a:t>66,6% </a:t>
+                </a:r>
+                <a:r>
+                  <a:rPr lang="de-DE" sz="2000" dirty="0"/>
+                  <a:t>Ø</a:t>
+                </a:r>
+                <a:r>
+                  <a:rPr lang="de-DE" sz="2000" dirty="0">
+                    <a:solidFill>
+                      <a:schemeClr val="tx1"/>
+                    </a:solidFill>
+                  </a:rPr>
+                  <a:t>	16,6</a:t>
+                </a:r>
+                <a:r>
+                  <a:rPr lang="de-DE" sz="2000" dirty="0"/>
+                  <a:t>% min. 	 16,6% max.</a:t>
+                </a:r>
+              </a:p>
+              <a:p>
+                <a:pPr marL="0" indent="0">
+                  <a:buNone/>
+                </a:pPr>
+                <a:endParaRPr lang="de-DE" sz="1500" dirty="0"/>
+              </a:p>
+              <a:p>
+                <a:r>
+                  <a:rPr lang="de-DE" sz="2400" dirty="0">
+                    <a:solidFill>
+                      <a:schemeClr val="tx1"/>
+                    </a:solidFill>
+                    <a:ea typeface="Cambria Math" panose="02040503050406030204" pitchFamily="18" charset="0"/>
+                  </a:rPr>
+                  <a:t>Herausfinden des </a:t>
+                </a:r>
+                <a:r>
+                  <a:rPr lang="de-DE" sz="2400" dirty="0">
+                    <a:ea typeface="Cambria Math" panose="02040503050406030204" pitchFamily="18" charset="0"/>
+                  </a:rPr>
+                  <a:t>„kritischen Pfades“</a:t>
+                </a:r>
+                <a:endParaRPr lang="de-DE" sz="2400" dirty="0">
+                  <a:solidFill>
+                    <a:schemeClr val="tx1"/>
+                  </a:solidFill>
+                  <a:ea typeface="Cambria Math" panose="02040503050406030204" pitchFamily="18" charset="0"/>
+                </a:endParaRPr>
+              </a:p>
+              <a:p>
+                <a:endParaRPr lang="de-DE" sz="2400" dirty="0"/>
+              </a:p>
+            </p:txBody>
+          </p:sp>
+        </mc:Choice>
+        <mc:Fallback>
+          <p:sp>
+            <p:nvSpPr>
+              <p:cNvPr id="3" name="Inhaltsplatzhalter 2">
+                <a:extLst>
+                  <a:ext uri="{FF2B5EF4-FFF2-40B4-BE49-F238E27FC236}">
+                    <a16:creationId xmlns:a16="http://schemas.microsoft.com/office/drawing/2014/main" id="{FB3EE294-19E4-414D-ABB0-4AE520A93A1F}"/>
+                  </a:ext>
+                </a:extLst>
+              </p:cNvPr>
+              <p:cNvSpPr>
+                <a:spLocks noGrp="1" noRot="1" noChangeAspect="1" noMove="1" noResize="1" noEditPoints="1" noAdjustHandles="1" noChangeArrowheads="1" noChangeShapeType="1" noTextEdit="1"/>
+              </p:cNvSpPr>
+              <p:nvPr>
+                <p:ph idx="1"/>
+              </p:nvPr>
+            </p:nvSpPr>
+            <p:spPr>
+              <a:xfrm>
+                <a:off x="838200" y="2050473"/>
+                <a:ext cx="10515600" cy="4126490"/>
+              </a:xfrm>
+              <a:blipFill>
+                <a:blip r:embed="rId2"/>
+                <a:stretch>
+                  <a:fillRect l="-1217" t="-4874"/>
+                </a:stretch>
+              </a:blipFill>
+            </p:spPr>
+            <p:txBody>
+              <a:bodyPr/>
+              <a:lstStyle/>
+              <a:p>
+                <a:r>
+                  <a:rPr lang="de-DE">
+                    <a:noFill/>
+                  </a:rPr>
+                  <a:t> </a:t>
+                </a:r>
+              </a:p>
+            </p:txBody>
+          </p:sp>
+        </mc:Fallback>
+      </mc:AlternateContent>
     </p:spTree>
     <p:extLst>
       <p:ext uri="{BB962C8B-B14F-4D97-AF65-F5344CB8AC3E}">
-        <p14:creationId xmlns:p14="http://schemas.microsoft.com/office/powerpoint/2010/main" val="3355685490"/>
+        <p14:creationId xmlns:p14="http://schemas.microsoft.com/office/powerpoint/2010/main" val="3019634701"/>
       </p:ext>
     </p:extLst>
   </p:cSld>
@@ -5959,7 +6352,7 @@
           <p:cNvPr id="2" name="Titel 1">
             <a:extLst>
               <a:ext uri="{FF2B5EF4-FFF2-40B4-BE49-F238E27FC236}">
-                <a16:creationId xmlns:a16="http://schemas.microsoft.com/office/drawing/2014/main" id="{ECBAF7B1-E23F-48B9-BA51-9A02452902DD}"/>
+                <a16:creationId xmlns:a16="http://schemas.microsoft.com/office/drawing/2014/main" id="{83CC4940-D9E2-437C-B6F5-0351CCAE4C7A}"/>
               </a:ext>
             </a:extLst>
           </p:cNvPr>
@@ -5970,54 +6363,2968 @@
             <p:ph type="title"/>
           </p:nvPr>
         </p:nvSpPr>
-        <p:spPr/>
+        <p:spPr>
+          <a:xfrm>
+            <a:off x="1141413" y="341745"/>
+            <a:ext cx="9905998" cy="895928"/>
+          </a:xfrm>
+        </p:spPr>
         <p:txBody>
           <a:bodyPr/>
           <a:lstStyle/>
           <a:p>
-            <a:pPr algn="ctr"/>
             <a:r>
               <a:rPr lang="de-DE" dirty="0"/>
-              <a:t>Fazit &amp; Wahl der Schätzmethode</a:t>
-            </a:r>
-          </a:p>
-        </p:txBody>
-      </p:sp>
-      <p:sp>
-        <p:nvSpPr>
-          <p:cNvPr id="3" name="Inhaltsplatzhalter 2">
+              <a:t>PERT - Diagramm</a:t>
+            </a:r>
+          </a:p>
+        </p:txBody>
+      </p:sp>
+      <p:graphicFrame>
+        <p:nvGraphicFramePr>
+          <p:cNvPr id="5" name="Tabelle 5">
             <a:extLst>
               <a:ext uri="{FF2B5EF4-FFF2-40B4-BE49-F238E27FC236}">
-                <a16:creationId xmlns:a16="http://schemas.microsoft.com/office/drawing/2014/main" id="{93567E31-E6DA-41BF-98A3-F6DF118F7F86}"/>
+                <a16:creationId xmlns:a16="http://schemas.microsoft.com/office/drawing/2014/main" id="{8553D567-1B04-44BE-8C3B-A5F2F45A5424}"/>
               </a:ext>
             </a:extLst>
           </p:cNvPr>
-          <p:cNvSpPr>
-            <a:spLocks noGrp="1"/>
-          </p:cNvSpPr>
-          <p:nvPr>
-            <p:ph idx="1"/>
-          </p:nvPr>
-        </p:nvSpPr>
-        <p:spPr/>
-        <p:txBody>
-          <a:bodyPr/>
-          <a:lstStyle/>
-          <a:p>
-            <a:endParaRPr lang="de-DE"/>
-          </a:p>
-        </p:txBody>
-      </p:sp>
+          <p:cNvGraphicFramePr>
+            <a:graphicFrameLocks noGrp="1"/>
+          </p:cNvGraphicFramePr>
+          <p:nvPr>
+            <p:extLst>
+              <p:ext uri="{D42A27DB-BD31-4B8C-83A1-F6EECF244321}">
+                <p14:modId xmlns:p14="http://schemas.microsoft.com/office/powerpoint/2010/main" val="4242142203"/>
+              </p:ext>
+            </p:extLst>
+          </p:nvPr>
+        </p:nvGraphicFramePr>
+        <p:xfrm>
+          <a:off x="6094412" y="420651"/>
+          <a:ext cx="3853152" cy="731520"/>
+        </p:xfrm>
+        <a:graphic>
+          <a:graphicData uri="http://schemas.openxmlformats.org/drawingml/2006/table">
+            <a:tbl>
+              <a:tblPr bandRow="1">
+                <a:tableStyleId>{5C22544A-7EE6-4342-B048-85BDC9FD1C3A}</a:tableStyleId>
+              </a:tblPr>
+              <a:tblGrid>
+                <a:gridCol w="1926576">
+                  <a:extLst>
+                    <a:ext uri="{9D8B030D-6E8A-4147-A177-3AD203B41FA5}">
+                      <a16:colId xmlns:a16="http://schemas.microsoft.com/office/drawing/2014/main" val="2556629905"/>
+                    </a:ext>
+                  </a:extLst>
+                </a:gridCol>
+                <a:gridCol w="1926576">
+                  <a:extLst>
+                    <a:ext uri="{9D8B030D-6E8A-4147-A177-3AD203B41FA5}">
+                      <a16:colId xmlns:a16="http://schemas.microsoft.com/office/drawing/2014/main" val="2166376972"/>
+                    </a:ext>
+                  </a:extLst>
+                </a:gridCol>
+              </a:tblGrid>
+              <a:tr h="337513">
+                <a:tc>
+                  <a:txBody>
+                    <a:bodyPr/>
+                    <a:lstStyle/>
+                    <a:p>
+                      <a:r>
+                        <a:rPr lang="de-DE" sz="1800" b="0" dirty="0">
+                          <a:solidFill>
+                            <a:schemeClr val="bg1"/>
+                          </a:solidFill>
+                        </a:rPr>
+                        <a:t>Frühester Start</a:t>
+                      </a:r>
+                    </a:p>
+                  </a:txBody>
+                  <a:tcPr/>
+                </a:tc>
+                <a:tc>
+                  <a:txBody>
+                    <a:bodyPr/>
+                    <a:lstStyle/>
+                    <a:p>
+                      <a:r>
+                        <a:rPr lang="de-DE" sz="1800" b="0" dirty="0">
+                          <a:solidFill>
+                            <a:schemeClr val="bg1"/>
+                          </a:solidFill>
+                        </a:rPr>
+                        <a:t>Frühestes Ende</a:t>
+                      </a:r>
+                    </a:p>
+                  </a:txBody>
+                  <a:tcPr/>
+                </a:tc>
+                <a:extLst>
+                  <a:ext uri="{0D108BD9-81ED-4DB2-BD59-A6C34878D82A}">
+                    <a16:rowId xmlns:a16="http://schemas.microsoft.com/office/drawing/2014/main" val="1951186189"/>
+                  </a:ext>
+                </a:extLst>
+              </a:tr>
+              <a:tr h="337513">
+                <a:tc>
+                  <a:txBody>
+                    <a:bodyPr/>
+                    <a:lstStyle/>
+                    <a:p>
+                      <a:r>
+                        <a:rPr lang="de-DE" sz="1800" b="0" dirty="0">
+                          <a:solidFill>
+                            <a:schemeClr val="bg1"/>
+                          </a:solidFill>
+                        </a:rPr>
+                        <a:t>Spätester Start</a:t>
+                      </a:r>
+                    </a:p>
+                  </a:txBody>
+                  <a:tcPr/>
+                </a:tc>
+                <a:tc>
+                  <a:txBody>
+                    <a:bodyPr/>
+                    <a:lstStyle/>
+                    <a:p>
+                      <a:r>
+                        <a:rPr lang="de-DE" sz="1800" b="0" dirty="0">
+                          <a:solidFill>
+                            <a:schemeClr val="bg1"/>
+                          </a:solidFill>
+                        </a:rPr>
+                        <a:t>Spätestes Ende</a:t>
+                      </a:r>
+                    </a:p>
+                  </a:txBody>
+                  <a:tcPr/>
+                </a:tc>
+                <a:extLst>
+                  <a:ext uri="{0D108BD9-81ED-4DB2-BD59-A6C34878D82A}">
+                    <a16:rowId xmlns:a16="http://schemas.microsoft.com/office/drawing/2014/main" val="1045124613"/>
+                  </a:ext>
+                </a:extLst>
+              </a:tr>
+            </a:tbl>
+          </a:graphicData>
+        </a:graphic>
+      </p:graphicFrame>
+      <p:graphicFrame>
+        <p:nvGraphicFramePr>
+          <p:cNvPr id="6" name="Tabelle 6">
+            <a:extLst>
+              <a:ext uri="{FF2B5EF4-FFF2-40B4-BE49-F238E27FC236}">
+                <a16:creationId xmlns:a16="http://schemas.microsoft.com/office/drawing/2014/main" id="{69AF70EB-2655-4657-B86B-5C10A56A85F1}"/>
+              </a:ext>
+            </a:extLst>
+          </p:cNvPr>
+          <p:cNvGraphicFramePr>
+            <a:graphicFrameLocks noGrp="1"/>
+          </p:cNvGraphicFramePr>
+          <p:nvPr>
+            <p:extLst>
+              <p:ext uri="{D42A27DB-BD31-4B8C-83A1-F6EECF244321}">
+                <p14:modId xmlns:p14="http://schemas.microsoft.com/office/powerpoint/2010/main" val="599201148"/>
+              </p:ext>
+            </p:extLst>
+          </p:nvPr>
+        </p:nvGraphicFramePr>
+        <p:xfrm>
+          <a:off x="893979" y="5468852"/>
+          <a:ext cx="10400866" cy="1112520"/>
+        </p:xfrm>
+        <a:graphic>
+          <a:graphicData uri="http://schemas.openxmlformats.org/drawingml/2006/table">
+            <a:tbl>
+              <a:tblPr firstRow="1" bandRow="1">
+                <a:tableStyleId>{5C22544A-7EE6-4342-B048-85BDC9FD1C3A}</a:tableStyleId>
+              </a:tblPr>
+              <a:tblGrid>
+                <a:gridCol w="2297498">
+                  <a:extLst>
+                    <a:ext uri="{9D8B030D-6E8A-4147-A177-3AD203B41FA5}">
+                      <a16:colId xmlns:a16="http://schemas.microsoft.com/office/drawing/2014/main" val="679930394"/>
+                    </a:ext>
+                  </a:extLst>
+                </a:gridCol>
+                <a:gridCol w="1012921">
+                  <a:extLst>
+                    <a:ext uri="{9D8B030D-6E8A-4147-A177-3AD203B41FA5}">
+                      <a16:colId xmlns:a16="http://schemas.microsoft.com/office/drawing/2014/main" val="3840608952"/>
+                    </a:ext>
+                  </a:extLst>
+                </a:gridCol>
+                <a:gridCol w="1012921">
+                  <a:extLst>
+                    <a:ext uri="{9D8B030D-6E8A-4147-A177-3AD203B41FA5}">
+                      <a16:colId xmlns:a16="http://schemas.microsoft.com/office/drawing/2014/main" val="758525459"/>
+                    </a:ext>
+                  </a:extLst>
+                </a:gridCol>
+                <a:gridCol w="1012921">
+                  <a:extLst>
+                    <a:ext uri="{9D8B030D-6E8A-4147-A177-3AD203B41FA5}">
+                      <a16:colId xmlns:a16="http://schemas.microsoft.com/office/drawing/2014/main" val="114140554"/>
+                    </a:ext>
+                  </a:extLst>
+                </a:gridCol>
+                <a:gridCol w="1012921">
+                  <a:extLst>
+                    <a:ext uri="{9D8B030D-6E8A-4147-A177-3AD203B41FA5}">
+                      <a16:colId xmlns:a16="http://schemas.microsoft.com/office/drawing/2014/main" val="1460018751"/>
+                    </a:ext>
+                  </a:extLst>
+                </a:gridCol>
+                <a:gridCol w="1012921">
+                  <a:extLst>
+                    <a:ext uri="{9D8B030D-6E8A-4147-A177-3AD203B41FA5}">
+                      <a16:colId xmlns:a16="http://schemas.microsoft.com/office/drawing/2014/main" val="31346433"/>
+                    </a:ext>
+                  </a:extLst>
+                </a:gridCol>
+                <a:gridCol w="1012921">
+                  <a:extLst>
+                    <a:ext uri="{9D8B030D-6E8A-4147-A177-3AD203B41FA5}">
+                      <a16:colId xmlns:a16="http://schemas.microsoft.com/office/drawing/2014/main" val="2852990974"/>
+                    </a:ext>
+                  </a:extLst>
+                </a:gridCol>
+                <a:gridCol w="1012921">
+                  <a:extLst>
+                    <a:ext uri="{9D8B030D-6E8A-4147-A177-3AD203B41FA5}">
+                      <a16:colId xmlns:a16="http://schemas.microsoft.com/office/drawing/2014/main" val="3782814516"/>
+                    </a:ext>
+                  </a:extLst>
+                </a:gridCol>
+                <a:gridCol w="1012921">
+                  <a:extLst>
+                    <a:ext uri="{9D8B030D-6E8A-4147-A177-3AD203B41FA5}">
+                      <a16:colId xmlns:a16="http://schemas.microsoft.com/office/drawing/2014/main" val="3528093438"/>
+                    </a:ext>
+                  </a:extLst>
+                </a:gridCol>
+              </a:tblGrid>
+              <a:tr h="370840">
+                <a:tc>
+                  <a:txBody>
+                    <a:bodyPr/>
+                    <a:lstStyle/>
+                    <a:p>
+                      <a:endParaRPr lang="de-DE" dirty="0"/>
+                    </a:p>
+                  </a:txBody>
+                  <a:tcPr/>
+                </a:tc>
+                <a:tc>
+                  <a:txBody>
+                    <a:bodyPr/>
+                    <a:lstStyle/>
+                    <a:p>
+                      <a:r>
+                        <a:rPr lang="de-DE" dirty="0"/>
+                        <a:t>A</a:t>
+                      </a:r>
+                    </a:p>
+                  </a:txBody>
+                  <a:tcPr/>
+                </a:tc>
+                <a:tc>
+                  <a:txBody>
+                    <a:bodyPr/>
+                    <a:lstStyle/>
+                    <a:p>
+                      <a:r>
+                        <a:rPr lang="de-DE" dirty="0"/>
+                        <a:t>B</a:t>
+                      </a:r>
+                    </a:p>
+                  </a:txBody>
+                  <a:tcPr/>
+                </a:tc>
+                <a:tc>
+                  <a:txBody>
+                    <a:bodyPr/>
+                    <a:lstStyle/>
+                    <a:p>
+                      <a:r>
+                        <a:rPr lang="de-DE" dirty="0"/>
+                        <a:t>C</a:t>
+                      </a:r>
+                    </a:p>
+                  </a:txBody>
+                  <a:tcPr/>
+                </a:tc>
+                <a:tc>
+                  <a:txBody>
+                    <a:bodyPr/>
+                    <a:lstStyle/>
+                    <a:p>
+                      <a:r>
+                        <a:rPr lang="de-DE" dirty="0"/>
+                        <a:t>D</a:t>
+                      </a:r>
+                    </a:p>
+                  </a:txBody>
+                  <a:tcPr/>
+                </a:tc>
+                <a:tc>
+                  <a:txBody>
+                    <a:bodyPr/>
+                    <a:lstStyle/>
+                    <a:p>
+                      <a:r>
+                        <a:rPr lang="de-DE" dirty="0"/>
+                        <a:t>E</a:t>
+                      </a:r>
+                    </a:p>
+                  </a:txBody>
+                  <a:tcPr/>
+                </a:tc>
+                <a:tc>
+                  <a:txBody>
+                    <a:bodyPr/>
+                    <a:lstStyle/>
+                    <a:p>
+                      <a:r>
+                        <a:rPr lang="de-DE" dirty="0"/>
+                        <a:t>F</a:t>
+                      </a:r>
+                    </a:p>
+                  </a:txBody>
+                  <a:tcPr/>
+                </a:tc>
+                <a:tc>
+                  <a:txBody>
+                    <a:bodyPr/>
+                    <a:lstStyle/>
+                    <a:p>
+                      <a:r>
+                        <a:rPr lang="de-DE" dirty="0"/>
+                        <a:t>G</a:t>
+                      </a:r>
+                    </a:p>
+                  </a:txBody>
+                  <a:tcPr/>
+                </a:tc>
+                <a:tc>
+                  <a:txBody>
+                    <a:bodyPr/>
+                    <a:lstStyle/>
+                    <a:p>
+                      <a:r>
+                        <a:rPr lang="de-DE" dirty="0"/>
+                        <a:t>H</a:t>
+                      </a:r>
+                    </a:p>
+                  </a:txBody>
+                  <a:tcPr/>
+                </a:tc>
+                <a:extLst>
+                  <a:ext uri="{0D108BD9-81ED-4DB2-BD59-A6C34878D82A}">
+                    <a16:rowId xmlns:a16="http://schemas.microsoft.com/office/drawing/2014/main" val="3533153664"/>
+                  </a:ext>
+                </a:extLst>
+              </a:tr>
+              <a:tr h="370840">
+                <a:tc>
+                  <a:txBody>
+                    <a:bodyPr/>
+                    <a:lstStyle/>
+                    <a:p>
+                      <a:r>
+                        <a:rPr lang="de-DE" dirty="0"/>
+                        <a:t>Abhängig von</a:t>
+                      </a:r>
+                    </a:p>
+                  </a:txBody>
+                  <a:tcPr/>
+                </a:tc>
+                <a:tc>
+                  <a:txBody>
+                    <a:bodyPr/>
+                    <a:lstStyle/>
+                    <a:p>
+                      <a:r>
+                        <a:rPr lang="de-DE" dirty="0"/>
+                        <a:t>-</a:t>
+                      </a:r>
+                    </a:p>
+                  </a:txBody>
+                  <a:tcPr/>
+                </a:tc>
+                <a:tc>
+                  <a:txBody>
+                    <a:bodyPr/>
+                    <a:lstStyle/>
+                    <a:p>
+                      <a:r>
+                        <a:rPr lang="de-DE" dirty="0"/>
+                        <a:t>-</a:t>
+                      </a:r>
+                    </a:p>
+                  </a:txBody>
+                  <a:tcPr/>
+                </a:tc>
+                <a:tc>
+                  <a:txBody>
+                    <a:bodyPr/>
+                    <a:lstStyle/>
+                    <a:p>
+                      <a:r>
+                        <a:rPr lang="de-DE" dirty="0"/>
+                        <a:t>B</a:t>
+                      </a:r>
+                    </a:p>
+                  </a:txBody>
+                  <a:tcPr/>
+                </a:tc>
+                <a:tc>
+                  <a:txBody>
+                    <a:bodyPr/>
+                    <a:lstStyle/>
+                    <a:p>
+                      <a:r>
+                        <a:rPr lang="de-DE" dirty="0"/>
+                        <a:t>A, C</a:t>
+                      </a:r>
+                    </a:p>
+                  </a:txBody>
+                  <a:tcPr/>
+                </a:tc>
+                <a:tc>
+                  <a:txBody>
+                    <a:bodyPr/>
+                    <a:lstStyle/>
+                    <a:p>
+                      <a:r>
+                        <a:rPr lang="de-DE" dirty="0"/>
+                        <a:t>B</a:t>
+                      </a:r>
+                    </a:p>
+                  </a:txBody>
+                  <a:tcPr/>
+                </a:tc>
+                <a:tc>
+                  <a:txBody>
+                    <a:bodyPr/>
+                    <a:lstStyle/>
+                    <a:p>
+                      <a:r>
+                        <a:rPr lang="de-DE" dirty="0"/>
+                        <a:t>E</a:t>
+                      </a:r>
+                    </a:p>
+                  </a:txBody>
+                  <a:tcPr/>
+                </a:tc>
+                <a:tc>
+                  <a:txBody>
+                    <a:bodyPr/>
+                    <a:lstStyle/>
+                    <a:p>
+                      <a:r>
+                        <a:rPr lang="de-DE" dirty="0"/>
+                        <a:t>D, E</a:t>
+                      </a:r>
+                    </a:p>
+                  </a:txBody>
+                  <a:tcPr/>
+                </a:tc>
+                <a:tc>
+                  <a:txBody>
+                    <a:bodyPr/>
+                    <a:lstStyle/>
+                    <a:p>
+                      <a:r>
+                        <a:rPr lang="de-DE" dirty="0"/>
+                        <a:t>F</a:t>
+                      </a:r>
+                    </a:p>
+                  </a:txBody>
+                  <a:tcPr/>
+                </a:tc>
+                <a:extLst>
+                  <a:ext uri="{0D108BD9-81ED-4DB2-BD59-A6C34878D82A}">
+                    <a16:rowId xmlns:a16="http://schemas.microsoft.com/office/drawing/2014/main" val="132499841"/>
+                  </a:ext>
+                </a:extLst>
+              </a:tr>
+              <a:tr h="370840">
+                <a:tc>
+                  <a:txBody>
+                    <a:bodyPr/>
+                    <a:lstStyle/>
+                    <a:p>
+                      <a:r>
+                        <a:rPr lang="de-DE" dirty="0"/>
+                        <a:t>Geschätzte Dauer</a:t>
+                      </a:r>
+                    </a:p>
+                  </a:txBody>
+                  <a:tcPr/>
+                </a:tc>
+                <a:tc>
+                  <a:txBody>
+                    <a:bodyPr/>
+                    <a:lstStyle/>
+                    <a:p>
+                      <a:r>
+                        <a:rPr lang="de-DE" dirty="0"/>
+                        <a:t>5</a:t>
+                      </a:r>
+                    </a:p>
+                  </a:txBody>
+                  <a:tcPr/>
+                </a:tc>
+                <a:tc>
+                  <a:txBody>
+                    <a:bodyPr/>
+                    <a:lstStyle/>
+                    <a:p>
+                      <a:r>
+                        <a:rPr lang="de-DE" dirty="0"/>
+                        <a:t>8</a:t>
+                      </a:r>
+                    </a:p>
+                  </a:txBody>
+                  <a:tcPr/>
+                </a:tc>
+                <a:tc>
+                  <a:txBody>
+                    <a:bodyPr/>
+                    <a:lstStyle/>
+                    <a:p>
+                      <a:r>
+                        <a:rPr lang="de-DE" dirty="0"/>
+                        <a:t>6</a:t>
+                      </a:r>
+                    </a:p>
+                  </a:txBody>
+                  <a:tcPr/>
+                </a:tc>
+                <a:tc>
+                  <a:txBody>
+                    <a:bodyPr/>
+                    <a:lstStyle/>
+                    <a:p>
+                      <a:r>
+                        <a:rPr lang="de-DE" dirty="0"/>
+                        <a:t>4</a:t>
+                      </a:r>
+                    </a:p>
+                  </a:txBody>
+                  <a:tcPr/>
+                </a:tc>
+                <a:tc>
+                  <a:txBody>
+                    <a:bodyPr/>
+                    <a:lstStyle/>
+                    <a:p>
+                      <a:r>
+                        <a:rPr lang="de-DE" dirty="0"/>
+                        <a:t>7</a:t>
+                      </a:r>
+                    </a:p>
+                  </a:txBody>
+                  <a:tcPr/>
+                </a:tc>
+                <a:tc>
+                  <a:txBody>
+                    <a:bodyPr/>
+                    <a:lstStyle/>
+                    <a:p>
+                      <a:r>
+                        <a:rPr lang="de-DE" dirty="0"/>
+                        <a:t>9</a:t>
+                      </a:r>
+                    </a:p>
+                  </a:txBody>
+                  <a:tcPr/>
+                </a:tc>
+                <a:tc>
+                  <a:txBody>
+                    <a:bodyPr/>
+                    <a:lstStyle/>
+                    <a:p>
+                      <a:r>
+                        <a:rPr lang="de-DE" dirty="0"/>
+                        <a:t>3</a:t>
+                      </a:r>
+                    </a:p>
+                  </a:txBody>
+                  <a:tcPr/>
+                </a:tc>
+                <a:tc>
+                  <a:txBody>
+                    <a:bodyPr/>
+                    <a:lstStyle/>
+                    <a:p>
+                      <a:r>
+                        <a:rPr lang="de-DE" dirty="0"/>
+                        <a:t>6</a:t>
+                      </a:r>
+                    </a:p>
+                  </a:txBody>
+                  <a:tcPr/>
+                </a:tc>
+                <a:extLst>
+                  <a:ext uri="{0D108BD9-81ED-4DB2-BD59-A6C34878D82A}">
+                    <a16:rowId xmlns:a16="http://schemas.microsoft.com/office/drawing/2014/main" val="4227464681"/>
+                  </a:ext>
+                </a:extLst>
+              </a:tr>
+            </a:tbl>
+          </a:graphicData>
+        </a:graphic>
+      </p:graphicFrame>
+      <p:graphicFrame>
+        <p:nvGraphicFramePr>
+          <p:cNvPr id="7" name="Tabelle 7">
+            <a:extLst>
+              <a:ext uri="{FF2B5EF4-FFF2-40B4-BE49-F238E27FC236}">
+                <a16:creationId xmlns:a16="http://schemas.microsoft.com/office/drawing/2014/main" id="{64732D29-CEF4-4540-9A56-168D7EFE0625}"/>
+              </a:ext>
+            </a:extLst>
+          </p:cNvPr>
+          <p:cNvGraphicFramePr>
+            <a:graphicFrameLocks noGrp="1"/>
+          </p:cNvGraphicFramePr>
+          <p:nvPr>
+            <p:extLst>
+              <p:ext uri="{D42A27DB-BD31-4B8C-83A1-F6EECF244321}">
+                <p14:modId xmlns:p14="http://schemas.microsoft.com/office/powerpoint/2010/main" val="2470300646"/>
+              </p:ext>
+            </p:extLst>
+          </p:nvPr>
+        </p:nvGraphicFramePr>
+        <p:xfrm>
+          <a:off x="2168596" y="1529157"/>
+          <a:ext cx="944058" cy="1097280"/>
+        </p:xfrm>
+        <a:graphic>
+          <a:graphicData uri="http://schemas.openxmlformats.org/drawingml/2006/table">
+            <a:tbl>
+              <a:tblPr firstRow="1" bandRow="1">
+                <a:tableStyleId>{5C22544A-7EE6-4342-B048-85BDC9FD1C3A}</a:tableStyleId>
+              </a:tblPr>
+              <a:tblGrid>
+                <a:gridCol w="472029">
+                  <a:extLst>
+                    <a:ext uri="{9D8B030D-6E8A-4147-A177-3AD203B41FA5}">
+                      <a16:colId xmlns:a16="http://schemas.microsoft.com/office/drawing/2014/main" val="1329225509"/>
+                    </a:ext>
+                  </a:extLst>
+                </a:gridCol>
+                <a:gridCol w="472029">
+                  <a:extLst>
+                    <a:ext uri="{9D8B030D-6E8A-4147-A177-3AD203B41FA5}">
+                      <a16:colId xmlns:a16="http://schemas.microsoft.com/office/drawing/2014/main" val="4206129725"/>
+                    </a:ext>
+                  </a:extLst>
+                </a:gridCol>
+              </a:tblGrid>
+              <a:tr h="306647">
+                <a:tc gridSpan="2">
+                  <a:txBody>
+                    <a:bodyPr/>
+                    <a:lstStyle/>
+                    <a:p>
+                      <a:pPr algn="ctr"/>
+                      <a:r>
+                        <a:rPr lang="de-DE" dirty="0"/>
+                        <a:t>A</a:t>
+                      </a:r>
+                    </a:p>
+                  </a:txBody>
+                  <a:tcPr/>
+                </a:tc>
+                <a:tc hMerge="1">
+                  <a:txBody>
+                    <a:bodyPr/>
+                    <a:lstStyle/>
+                    <a:p>
+                      <a:endParaRPr lang="de-DE" dirty="0"/>
+                    </a:p>
+                  </a:txBody>
+                  <a:tcPr/>
+                </a:tc>
+                <a:extLst>
+                  <a:ext uri="{0D108BD9-81ED-4DB2-BD59-A6C34878D82A}">
+                    <a16:rowId xmlns:a16="http://schemas.microsoft.com/office/drawing/2014/main" val="3507648942"/>
+                  </a:ext>
+                </a:extLst>
+              </a:tr>
+              <a:tr h="306647">
+                <a:tc>
+                  <a:txBody>
+                    <a:bodyPr/>
+                    <a:lstStyle/>
+                    <a:p>
+                      <a:pPr algn="ctr"/>
+                      <a:r>
+                        <a:rPr lang="de-DE" dirty="0"/>
+                        <a:t>0</a:t>
+                      </a:r>
+                    </a:p>
+                  </a:txBody>
+                  <a:tcPr/>
+                </a:tc>
+                <a:tc>
+                  <a:txBody>
+                    <a:bodyPr/>
+                    <a:lstStyle/>
+                    <a:p>
+                      <a:pPr algn="ctr"/>
+                      <a:r>
+                        <a:rPr lang="de-DE" dirty="0"/>
+                        <a:t>5</a:t>
+                      </a:r>
+                    </a:p>
+                  </a:txBody>
+                  <a:tcPr/>
+                </a:tc>
+                <a:extLst>
+                  <a:ext uri="{0D108BD9-81ED-4DB2-BD59-A6C34878D82A}">
+                    <a16:rowId xmlns:a16="http://schemas.microsoft.com/office/drawing/2014/main" val="404102209"/>
+                  </a:ext>
+                </a:extLst>
+              </a:tr>
+              <a:tr h="306647">
+                <a:tc>
+                  <a:txBody>
+                    <a:bodyPr/>
+                    <a:lstStyle/>
+                    <a:p>
+                      <a:pPr algn="ctr"/>
+                      <a:r>
+                        <a:rPr lang="de-DE" dirty="0"/>
+                        <a:t>17</a:t>
+                      </a:r>
+                    </a:p>
+                  </a:txBody>
+                  <a:tcPr/>
+                </a:tc>
+                <a:tc>
+                  <a:txBody>
+                    <a:bodyPr/>
+                    <a:lstStyle/>
+                    <a:p>
+                      <a:pPr algn="ctr"/>
+                      <a:r>
+                        <a:rPr lang="de-DE" dirty="0"/>
+                        <a:t>23</a:t>
+                      </a:r>
+                    </a:p>
+                  </a:txBody>
+                  <a:tcPr/>
+                </a:tc>
+                <a:extLst>
+                  <a:ext uri="{0D108BD9-81ED-4DB2-BD59-A6C34878D82A}">
+                    <a16:rowId xmlns:a16="http://schemas.microsoft.com/office/drawing/2014/main" val="3665094232"/>
+                  </a:ext>
+                </a:extLst>
+              </a:tr>
+            </a:tbl>
+          </a:graphicData>
+        </a:graphic>
+      </p:graphicFrame>
+      <p:graphicFrame>
+        <p:nvGraphicFramePr>
+          <p:cNvPr id="8" name="Tabelle 8">
+            <a:extLst>
+              <a:ext uri="{FF2B5EF4-FFF2-40B4-BE49-F238E27FC236}">
+                <a16:creationId xmlns:a16="http://schemas.microsoft.com/office/drawing/2014/main" id="{D11727E6-EA16-48CB-8861-F44BCD57FE02}"/>
+              </a:ext>
+            </a:extLst>
+          </p:cNvPr>
+          <p:cNvGraphicFramePr>
+            <a:graphicFrameLocks noGrp="1"/>
+          </p:cNvGraphicFramePr>
+          <p:nvPr>
+            <p:extLst>
+              <p:ext uri="{D42A27DB-BD31-4B8C-83A1-F6EECF244321}">
+                <p14:modId xmlns:p14="http://schemas.microsoft.com/office/powerpoint/2010/main" val="858062841"/>
+              </p:ext>
+            </p:extLst>
+          </p:nvPr>
+        </p:nvGraphicFramePr>
+        <p:xfrm>
+          <a:off x="683492" y="2917921"/>
+          <a:ext cx="711200" cy="370840"/>
+        </p:xfrm>
+        <a:graphic>
+          <a:graphicData uri="http://schemas.openxmlformats.org/drawingml/2006/table">
+            <a:tbl>
+              <a:tblPr firstRow="1" bandRow="1">
+                <a:tableStyleId>{5C22544A-7EE6-4342-B048-85BDC9FD1C3A}</a:tableStyleId>
+              </a:tblPr>
+              <a:tblGrid>
+                <a:gridCol w="711200">
+                  <a:extLst>
+                    <a:ext uri="{9D8B030D-6E8A-4147-A177-3AD203B41FA5}">
+                      <a16:colId xmlns:a16="http://schemas.microsoft.com/office/drawing/2014/main" val="2079429877"/>
+                    </a:ext>
+                  </a:extLst>
+                </a:gridCol>
+              </a:tblGrid>
+              <a:tr h="370840">
+                <a:tc>
+                  <a:txBody>
+                    <a:bodyPr/>
+                    <a:lstStyle/>
+                    <a:p>
+                      <a:pPr algn="ctr"/>
+                      <a:r>
+                        <a:rPr lang="de-DE" dirty="0"/>
+                        <a:t>Start</a:t>
+                      </a:r>
+                    </a:p>
+                  </a:txBody>
+                  <a:tcPr/>
+                </a:tc>
+                <a:extLst>
+                  <a:ext uri="{0D108BD9-81ED-4DB2-BD59-A6C34878D82A}">
+                    <a16:rowId xmlns:a16="http://schemas.microsoft.com/office/drawing/2014/main" val="2320370699"/>
+                  </a:ext>
+                </a:extLst>
+              </a:tr>
+            </a:tbl>
+          </a:graphicData>
+        </a:graphic>
+      </p:graphicFrame>
+      <p:graphicFrame>
+        <p:nvGraphicFramePr>
+          <p:cNvPr id="9" name="Tabelle 8">
+            <a:extLst>
+              <a:ext uri="{FF2B5EF4-FFF2-40B4-BE49-F238E27FC236}">
+                <a16:creationId xmlns:a16="http://schemas.microsoft.com/office/drawing/2014/main" id="{4B371848-5A6A-4B05-A238-1E5FDDE9DD5D}"/>
+              </a:ext>
+            </a:extLst>
+          </p:cNvPr>
+          <p:cNvGraphicFramePr>
+            <a:graphicFrameLocks noGrp="1"/>
+          </p:cNvGraphicFramePr>
+          <p:nvPr>
+            <p:extLst>
+              <p:ext uri="{D42A27DB-BD31-4B8C-83A1-F6EECF244321}">
+                <p14:modId xmlns:p14="http://schemas.microsoft.com/office/powerpoint/2010/main" val="398859145"/>
+              </p:ext>
+            </p:extLst>
+          </p:nvPr>
+        </p:nvGraphicFramePr>
+        <p:xfrm>
+          <a:off x="10836203" y="2917921"/>
+          <a:ext cx="773905" cy="370840"/>
+        </p:xfrm>
+        <a:graphic>
+          <a:graphicData uri="http://schemas.openxmlformats.org/drawingml/2006/table">
+            <a:tbl>
+              <a:tblPr firstRow="1" bandRow="1">
+                <a:tableStyleId>{5C22544A-7EE6-4342-B048-85BDC9FD1C3A}</a:tableStyleId>
+              </a:tblPr>
+              <a:tblGrid>
+                <a:gridCol w="773905">
+                  <a:extLst>
+                    <a:ext uri="{9D8B030D-6E8A-4147-A177-3AD203B41FA5}">
+                      <a16:colId xmlns:a16="http://schemas.microsoft.com/office/drawing/2014/main" val="2079429877"/>
+                    </a:ext>
+                  </a:extLst>
+                </a:gridCol>
+              </a:tblGrid>
+              <a:tr h="370840">
+                <a:tc>
+                  <a:txBody>
+                    <a:bodyPr/>
+                    <a:lstStyle/>
+                    <a:p>
+                      <a:pPr algn="ctr"/>
+                      <a:r>
+                        <a:rPr lang="de-DE" dirty="0"/>
+                        <a:t>Ende</a:t>
+                      </a:r>
+                    </a:p>
+                  </a:txBody>
+                  <a:tcPr/>
+                </a:tc>
+                <a:extLst>
+                  <a:ext uri="{0D108BD9-81ED-4DB2-BD59-A6C34878D82A}">
+                    <a16:rowId xmlns:a16="http://schemas.microsoft.com/office/drawing/2014/main" val="2320370699"/>
+                  </a:ext>
+                </a:extLst>
+              </a:tr>
+            </a:tbl>
+          </a:graphicData>
+        </a:graphic>
+      </p:graphicFrame>
+      <p:graphicFrame>
+        <p:nvGraphicFramePr>
+          <p:cNvPr id="12" name="Tabelle 7">
+            <a:extLst>
+              <a:ext uri="{FF2B5EF4-FFF2-40B4-BE49-F238E27FC236}">
+                <a16:creationId xmlns:a16="http://schemas.microsoft.com/office/drawing/2014/main" id="{EAE56F77-6945-443F-B3DD-C10C82DAA015}"/>
+              </a:ext>
+            </a:extLst>
+          </p:cNvPr>
+          <p:cNvGraphicFramePr>
+            <a:graphicFrameLocks noGrp="1"/>
+          </p:cNvGraphicFramePr>
+          <p:nvPr>
+            <p:extLst>
+              <p:ext uri="{D42A27DB-BD31-4B8C-83A1-F6EECF244321}">
+                <p14:modId xmlns:p14="http://schemas.microsoft.com/office/powerpoint/2010/main" val="3231114825"/>
+              </p:ext>
+            </p:extLst>
+          </p:nvPr>
+        </p:nvGraphicFramePr>
+        <p:xfrm>
+          <a:off x="2169841" y="3566469"/>
+          <a:ext cx="944058" cy="1097280"/>
+        </p:xfrm>
+        <a:graphic>
+          <a:graphicData uri="http://schemas.openxmlformats.org/drawingml/2006/table">
+            <a:tbl>
+              <a:tblPr firstRow="1" bandRow="1">
+                <a:tableStyleId>{5C22544A-7EE6-4342-B048-85BDC9FD1C3A}</a:tableStyleId>
+              </a:tblPr>
+              <a:tblGrid>
+                <a:gridCol w="472029">
+                  <a:extLst>
+                    <a:ext uri="{9D8B030D-6E8A-4147-A177-3AD203B41FA5}">
+                      <a16:colId xmlns:a16="http://schemas.microsoft.com/office/drawing/2014/main" val="1329225509"/>
+                    </a:ext>
+                  </a:extLst>
+                </a:gridCol>
+                <a:gridCol w="472029">
+                  <a:extLst>
+                    <a:ext uri="{9D8B030D-6E8A-4147-A177-3AD203B41FA5}">
+                      <a16:colId xmlns:a16="http://schemas.microsoft.com/office/drawing/2014/main" val="4206129725"/>
+                    </a:ext>
+                  </a:extLst>
+                </a:gridCol>
+              </a:tblGrid>
+              <a:tr h="306647">
+                <a:tc gridSpan="2">
+                  <a:txBody>
+                    <a:bodyPr/>
+                    <a:lstStyle/>
+                    <a:p>
+                      <a:pPr algn="ctr"/>
+                      <a:r>
+                        <a:rPr lang="de-DE" dirty="0"/>
+                        <a:t>B</a:t>
+                      </a:r>
+                    </a:p>
+                  </a:txBody>
+                  <a:tcPr/>
+                </a:tc>
+                <a:tc hMerge="1">
+                  <a:txBody>
+                    <a:bodyPr/>
+                    <a:lstStyle/>
+                    <a:p>
+                      <a:endParaRPr lang="de-DE" dirty="0"/>
+                    </a:p>
+                  </a:txBody>
+                  <a:tcPr/>
+                </a:tc>
+                <a:extLst>
+                  <a:ext uri="{0D108BD9-81ED-4DB2-BD59-A6C34878D82A}">
+                    <a16:rowId xmlns:a16="http://schemas.microsoft.com/office/drawing/2014/main" val="3507648942"/>
+                  </a:ext>
+                </a:extLst>
+              </a:tr>
+              <a:tr h="306647">
+                <a:tc>
+                  <a:txBody>
+                    <a:bodyPr/>
+                    <a:lstStyle/>
+                    <a:p>
+                      <a:pPr algn="ctr"/>
+                      <a:r>
+                        <a:rPr lang="de-DE" dirty="0"/>
+                        <a:t>0</a:t>
+                      </a:r>
+                    </a:p>
+                  </a:txBody>
+                  <a:tcPr/>
+                </a:tc>
+                <a:tc>
+                  <a:txBody>
+                    <a:bodyPr/>
+                    <a:lstStyle/>
+                    <a:p>
+                      <a:pPr algn="ctr"/>
+                      <a:r>
+                        <a:rPr lang="de-DE" dirty="0"/>
+                        <a:t>8</a:t>
+                      </a:r>
+                    </a:p>
+                  </a:txBody>
+                  <a:tcPr/>
+                </a:tc>
+                <a:extLst>
+                  <a:ext uri="{0D108BD9-81ED-4DB2-BD59-A6C34878D82A}">
+                    <a16:rowId xmlns:a16="http://schemas.microsoft.com/office/drawing/2014/main" val="404102209"/>
+                  </a:ext>
+                </a:extLst>
+              </a:tr>
+              <a:tr h="306647">
+                <a:tc>
+                  <a:txBody>
+                    <a:bodyPr/>
+                    <a:lstStyle/>
+                    <a:p>
+                      <a:pPr algn="ctr"/>
+                      <a:r>
+                        <a:rPr lang="de-DE" dirty="0"/>
+                        <a:t>0</a:t>
+                      </a:r>
+                    </a:p>
+                  </a:txBody>
+                  <a:tcPr/>
+                </a:tc>
+                <a:tc>
+                  <a:txBody>
+                    <a:bodyPr/>
+                    <a:lstStyle/>
+                    <a:p>
+                      <a:pPr algn="ctr"/>
+                      <a:r>
+                        <a:rPr lang="de-DE" dirty="0"/>
+                        <a:t>8</a:t>
+                      </a:r>
+                    </a:p>
+                  </a:txBody>
+                  <a:tcPr/>
+                </a:tc>
+                <a:extLst>
+                  <a:ext uri="{0D108BD9-81ED-4DB2-BD59-A6C34878D82A}">
+                    <a16:rowId xmlns:a16="http://schemas.microsoft.com/office/drawing/2014/main" val="3665094232"/>
+                  </a:ext>
+                </a:extLst>
+              </a:tr>
+            </a:tbl>
+          </a:graphicData>
+        </a:graphic>
+      </p:graphicFrame>
+      <p:graphicFrame>
+        <p:nvGraphicFramePr>
+          <p:cNvPr id="13" name="Tabelle 7">
+            <a:extLst>
+              <a:ext uri="{FF2B5EF4-FFF2-40B4-BE49-F238E27FC236}">
+                <a16:creationId xmlns:a16="http://schemas.microsoft.com/office/drawing/2014/main" id="{CB49659D-D072-4FDC-896C-9F7D2EC1B278}"/>
+              </a:ext>
+            </a:extLst>
+          </p:cNvPr>
+          <p:cNvGraphicFramePr>
+            <a:graphicFrameLocks noGrp="1"/>
+          </p:cNvGraphicFramePr>
+          <p:nvPr>
+            <p:extLst>
+              <p:ext uri="{D42A27DB-BD31-4B8C-83A1-F6EECF244321}">
+                <p14:modId xmlns:p14="http://schemas.microsoft.com/office/powerpoint/2010/main" val="3998048600"/>
+              </p:ext>
+            </p:extLst>
+          </p:nvPr>
+        </p:nvGraphicFramePr>
+        <p:xfrm>
+          <a:off x="3575680" y="2758981"/>
+          <a:ext cx="944058" cy="1097280"/>
+        </p:xfrm>
+        <a:graphic>
+          <a:graphicData uri="http://schemas.openxmlformats.org/drawingml/2006/table">
+            <a:tbl>
+              <a:tblPr firstRow="1" bandRow="1">
+                <a:tableStyleId>{5C22544A-7EE6-4342-B048-85BDC9FD1C3A}</a:tableStyleId>
+              </a:tblPr>
+              <a:tblGrid>
+                <a:gridCol w="472029">
+                  <a:extLst>
+                    <a:ext uri="{9D8B030D-6E8A-4147-A177-3AD203B41FA5}">
+                      <a16:colId xmlns:a16="http://schemas.microsoft.com/office/drawing/2014/main" val="1329225509"/>
+                    </a:ext>
+                  </a:extLst>
+                </a:gridCol>
+                <a:gridCol w="472029">
+                  <a:extLst>
+                    <a:ext uri="{9D8B030D-6E8A-4147-A177-3AD203B41FA5}">
+                      <a16:colId xmlns:a16="http://schemas.microsoft.com/office/drawing/2014/main" val="4206129725"/>
+                    </a:ext>
+                  </a:extLst>
+                </a:gridCol>
+              </a:tblGrid>
+              <a:tr h="216516">
+                <a:tc gridSpan="2">
+                  <a:txBody>
+                    <a:bodyPr/>
+                    <a:lstStyle/>
+                    <a:p>
+                      <a:pPr algn="ctr"/>
+                      <a:r>
+                        <a:rPr lang="de-DE" dirty="0"/>
+                        <a:t>C</a:t>
+                      </a:r>
+                    </a:p>
+                  </a:txBody>
+                  <a:tcPr/>
+                </a:tc>
+                <a:tc hMerge="1">
+                  <a:txBody>
+                    <a:bodyPr/>
+                    <a:lstStyle/>
+                    <a:p>
+                      <a:endParaRPr lang="de-DE" dirty="0"/>
+                    </a:p>
+                  </a:txBody>
+                  <a:tcPr/>
+                </a:tc>
+                <a:extLst>
+                  <a:ext uri="{0D108BD9-81ED-4DB2-BD59-A6C34878D82A}">
+                    <a16:rowId xmlns:a16="http://schemas.microsoft.com/office/drawing/2014/main" val="3507648942"/>
+                  </a:ext>
+                </a:extLst>
+              </a:tr>
+              <a:tr h="306647">
+                <a:tc>
+                  <a:txBody>
+                    <a:bodyPr/>
+                    <a:lstStyle/>
+                    <a:p>
+                      <a:pPr algn="ctr"/>
+                      <a:r>
+                        <a:rPr lang="de-DE" dirty="0"/>
+                        <a:t>8</a:t>
+                      </a:r>
+                    </a:p>
+                  </a:txBody>
+                  <a:tcPr/>
+                </a:tc>
+                <a:tc>
+                  <a:txBody>
+                    <a:bodyPr/>
+                    <a:lstStyle/>
+                    <a:p>
+                      <a:pPr algn="ctr"/>
+                      <a:r>
+                        <a:rPr lang="de-DE" dirty="0"/>
+                        <a:t>14</a:t>
+                      </a:r>
+                    </a:p>
+                  </a:txBody>
+                  <a:tcPr/>
+                </a:tc>
+                <a:extLst>
+                  <a:ext uri="{0D108BD9-81ED-4DB2-BD59-A6C34878D82A}">
+                    <a16:rowId xmlns:a16="http://schemas.microsoft.com/office/drawing/2014/main" val="404102209"/>
+                  </a:ext>
+                </a:extLst>
+              </a:tr>
+              <a:tr h="306647">
+                <a:tc>
+                  <a:txBody>
+                    <a:bodyPr/>
+                    <a:lstStyle/>
+                    <a:p>
+                      <a:pPr algn="ctr"/>
+                      <a:r>
+                        <a:rPr lang="de-DE" dirty="0"/>
+                        <a:t>16</a:t>
+                      </a:r>
+                    </a:p>
+                  </a:txBody>
+                  <a:tcPr/>
+                </a:tc>
+                <a:tc>
+                  <a:txBody>
+                    <a:bodyPr/>
+                    <a:lstStyle/>
+                    <a:p>
+                      <a:pPr algn="ctr"/>
+                      <a:r>
+                        <a:rPr lang="de-DE" dirty="0"/>
+                        <a:t>23</a:t>
+                      </a:r>
+                    </a:p>
+                  </a:txBody>
+                  <a:tcPr/>
+                </a:tc>
+                <a:extLst>
+                  <a:ext uri="{0D108BD9-81ED-4DB2-BD59-A6C34878D82A}">
+                    <a16:rowId xmlns:a16="http://schemas.microsoft.com/office/drawing/2014/main" val="3665094232"/>
+                  </a:ext>
+                </a:extLst>
+              </a:tr>
+            </a:tbl>
+          </a:graphicData>
+        </a:graphic>
+      </p:graphicFrame>
+      <p:graphicFrame>
+        <p:nvGraphicFramePr>
+          <p:cNvPr id="14" name="Tabelle 7">
+            <a:extLst>
+              <a:ext uri="{FF2B5EF4-FFF2-40B4-BE49-F238E27FC236}">
+                <a16:creationId xmlns:a16="http://schemas.microsoft.com/office/drawing/2014/main" id="{7C0B6D47-C339-4AC5-ABF6-788B796E36F4}"/>
+              </a:ext>
+            </a:extLst>
+          </p:cNvPr>
+          <p:cNvGraphicFramePr>
+            <a:graphicFrameLocks noGrp="1"/>
+          </p:cNvGraphicFramePr>
+          <p:nvPr>
+            <p:extLst>
+              <p:ext uri="{D42A27DB-BD31-4B8C-83A1-F6EECF244321}">
+                <p14:modId xmlns:p14="http://schemas.microsoft.com/office/powerpoint/2010/main" val="3165851409"/>
+              </p:ext>
+            </p:extLst>
+          </p:nvPr>
+        </p:nvGraphicFramePr>
+        <p:xfrm>
+          <a:off x="5003918" y="1512618"/>
+          <a:ext cx="944058" cy="1097280"/>
+        </p:xfrm>
+        <a:graphic>
+          <a:graphicData uri="http://schemas.openxmlformats.org/drawingml/2006/table">
+            <a:tbl>
+              <a:tblPr firstRow="1" bandRow="1">
+                <a:tableStyleId>{5C22544A-7EE6-4342-B048-85BDC9FD1C3A}</a:tableStyleId>
+              </a:tblPr>
+              <a:tblGrid>
+                <a:gridCol w="472029">
+                  <a:extLst>
+                    <a:ext uri="{9D8B030D-6E8A-4147-A177-3AD203B41FA5}">
+                      <a16:colId xmlns:a16="http://schemas.microsoft.com/office/drawing/2014/main" val="1329225509"/>
+                    </a:ext>
+                  </a:extLst>
+                </a:gridCol>
+                <a:gridCol w="472029">
+                  <a:extLst>
+                    <a:ext uri="{9D8B030D-6E8A-4147-A177-3AD203B41FA5}">
+                      <a16:colId xmlns:a16="http://schemas.microsoft.com/office/drawing/2014/main" val="4206129725"/>
+                    </a:ext>
+                  </a:extLst>
+                </a:gridCol>
+              </a:tblGrid>
+              <a:tr h="306647">
+                <a:tc gridSpan="2">
+                  <a:txBody>
+                    <a:bodyPr/>
+                    <a:lstStyle/>
+                    <a:p>
+                      <a:pPr algn="ctr"/>
+                      <a:r>
+                        <a:rPr lang="de-DE" dirty="0"/>
+                        <a:t>D</a:t>
+                      </a:r>
+                    </a:p>
+                  </a:txBody>
+                  <a:tcPr/>
+                </a:tc>
+                <a:tc hMerge="1">
+                  <a:txBody>
+                    <a:bodyPr/>
+                    <a:lstStyle/>
+                    <a:p>
+                      <a:endParaRPr lang="de-DE" dirty="0"/>
+                    </a:p>
+                  </a:txBody>
+                  <a:tcPr/>
+                </a:tc>
+                <a:extLst>
+                  <a:ext uri="{0D108BD9-81ED-4DB2-BD59-A6C34878D82A}">
+                    <a16:rowId xmlns:a16="http://schemas.microsoft.com/office/drawing/2014/main" val="3507648942"/>
+                  </a:ext>
+                </a:extLst>
+              </a:tr>
+              <a:tr h="306647">
+                <a:tc>
+                  <a:txBody>
+                    <a:bodyPr/>
+                    <a:lstStyle/>
+                    <a:p>
+                      <a:pPr algn="ctr"/>
+                      <a:r>
+                        <a:rPr lang="de-DE" dirty="0"/>
+                        <a:t>14</a:t>
+                      </a:r>
+                    </a:p>
+                  </a:txBody>
+                  <a:tcPr/>
+                </a:tc>
+                <a:tc>
+                  <a:txBody>
+                    <a:bodyPr/>
+                    <a:lstStyle/>
+                    <a:p>
+                      <a:pPr algn="ctr"/>
+                      <a:r>
+                        <a:rPr lang="de-DE" dirty="0"/>
+                        <a:t>18</a:t>
+                      </a:r>
+                    </a:p>
+                  </a:txBody>
+                  <a:tcPr/>
+                </a:tc>
+                <a:extLst>
+                  <a:ext uri="{0D108BD9-81ED-4DB2-BD59-A6C34878D82A}">
+                    <a16:rowId xmlns:a16="http://schemas.microsoft.com/office/drawing/2014/main" val="404102209"/>
+                  </a:ext>
+                </a:extLst>
+              </a:tr>
+              <a:tr h="306647">
+                <a:tc>
+                  <a:txBody>
+                    <a:bodyPr/>
+                    <a:lstStyle/>
+                    <a:p>
+                      <a:pPr algn="ctr"/>
+                      <a:r>
+                        <a:rPr lang="de-DE" dirty="0"/>
+                        <a:t>23</a:t>
+                      </a:r>
+                    </a:p>
+                  </a:txBody>
+                  <a:tcPr/>
+                </a:tc>
+                <a:tc>
+                  <a:txBody>
+                    <a:bodyPr/>
+                    <a:lstStyle/>
+                    <a:p>
+                      <a:pPr algn="ctr"/>
+                      <a:r>
+                        <a:rPr lang="de-DE" dirty="0"/>
+                        <a:t>27</a:t>
+                      </a:r>
+                    </a:p>
+                  </a:txBody>
+                  <a:tcPr/>
+                </a:tc>
+                <a:extLst>
+                  <a:ext uri="{0D108BD9-81ED-4DB2-BD59-A6C34878D82A}">
+                    <a16:rowId xmlns:a16="http://schemas.microsoft.com/office/drawing/2014/main" val="3665094232"/>
+                  </a:ext>
+                </a:extLst>
+              </a:tr>
+            </a:tbl>
+          </a:graphicData>
+        </a:graphic>
+      </p:graphicFrame>
+      <p:graphicFrame>
+        <p:nvGraphicFramePr>
+          <p:cNvPr id="15" name="Tabelle 7">
+            <a:extLst>
+              <a:ext uri="{FF2B5EF4-FFF2-40B4-BE49-F238E27FC236}">
+                <a16:creationId xmlns:a16="http://schemas.microsoft.com/office/drawing/2014/main" id="{B15E56F1-29BE-436D-97D0-FAFB29C5FFA5}"/>
+              </a:ext>
+            </a:extLst>
+          </p:cNvPr>
+          <p:cNvGraphicFramePr>
+            <a:graphicFrameLocks noGrp="1"/>
+          </p:cNvGraphicFramePr>
+          <p:nvPr>
+            <p:extLst>
+              <p:ext uri="{D42A27DB-BD31-4B8C-83A1-F6EECF244321}">
+                <p14:modId xmlns:p14="http://schemas.microsoft.com/office/powerpoint/2010/main" val="727221495"/>
+              </p:ext>
+            </p:extLst>
+          </p:nvPr>
+        </p:nvGraphicFramePr>
+        <p:xfrm>
+          <a:off x="5009264" y="3785428"/>
+          <a:ext cx="944058" cy="1097280"/>
+        </p:xfrm>
+        <a:graphic>
+          <a:graphicData uri="http://schemas.openxmlformats.org/drawingml/2006/table">
+            <a:tbl>
+              <a:tblPr firstRow="1" bandRow="1">
+                <a:tableStyleId>{5C22544A-7EE6-4342-B048-85BDC9FD1C3A}</a:tableStyleId>
+              </a:tblPr>
+              <a:tblGrid>
+                <a:gridCol w="472029">
+                  <a:extLst>
+                    <a:ext uri="{9D8B030D-6E8A-4147-A177-3AD203B41FA5}">
+                      <a16:colId xmlns:a16="http://schemas.microsoft.com/office/drawing/2014/main" val="1329225509"/>
+                    </a:ext>
+                  </a:extLst>
+                </a:gridCol>
+                <a:gridCol w="472029">
+                  <a:extLst>
+                    <a:ext uri="{9D8B030D-6E8A-4147-A177-3AD203B41FA5}">
+                      <a16:colId xmlns:a16="http://schemas.microsoft.com/office/drawing/2014/main" val="4206129725"/>
+                    </a:ext>
+                  </a:extLst>
+                </a:gridCol>
+              </a:tblGrid>
+              <a:tr h="306647">
+                <a:tc gridSpan="2">
+                  <a:txBody>
+                    <a:bodyPr/>
+                    <a:lstStyle/>
+                    <a:p>
+                      <a:pPr algn="ctr"/>
+                      <a:r>
+                        <a:rPr lang="de-DE" dirty="0"/>
+                        <a:t>E</a:t>
+                      </a:r>
+                    </a:p>
+                  </a:txBody>
+                  <a:tcPr/>
+                </a:tc>
+                <a:tc hMerge="1">
+                  <a:txBody>
+                    <a:bodyPr/>
+                    <a:lstStyle/>
+                    <a:p>
+                      <a:endParaRPr lang="de-DE" dirty="0"/>
+                    </a:p>
+                  </a:txBody>
+                  <a:tcPr/>
+                </a:tc>
+                <a:extLst>
+                  <a:ext uri="{0D108BD9-81ED-4DB2-BD59-A6C34878D82A}">
+                    <a16:rowId xmlns:a16="http://schemas.microsoft.com/office/drawing/2014/main" val="3507648942"/>
+                  </a:ext>
+                </a:extLst>
+              </a:tr>
+              <a:tr h="306647">
+                <a:tc>
+                  <a:txBody>
+                    <a:bodyPr/>
+                    <a:lstStyle/>
+                    <a:p>
+                      <a:pPr algn="ctr"/>
+                      <a:r>
+                        <a:rPr lang="de-DE" dirty="0"/>
+                        <a:t>8</a:t>
+                      </a:r>
+                    </a:p>
+                  </a:txBody>
+                  <a:tcPr/>
+                </a:tc>
+                <a:tc>
+                  <a:txBody>
+                    <a:bodyPr/>
+                    <a:lstStyle/>
+                    <a:p>
+                      <a:pPr algn="ctr"/>
+                      <a:r>
+                        <a:rPr lang="de-DE" dirty="0"/>
+                        <a:t>15</a:t>
+                      </a:r>
+                    </a:p>
+                  </a:txBody>
+                  <a:tcPr/>
+                </a:tc>
+                <a:extLst>
+                  <a:ext uri="{0D108BD9-81ED-4DB2-BD59-A6C34878D82A}">
+                    <a16:rowId xmlns:a16="http://schemas.microsoft.com/office/drawing/2014/main" val="404102209"/>
+                  </a:ext>
+                </a:extLst>
+              </a:tr>
+              <a:tr h="306647">
+                <a:tc>
+                  <a:txBody>
+                    <a:bodyPr/>
+                    <a:lstStyle/>
+                    <a:p>
+                      <a:pPr algn="ctr"/>
+                      <a:r>
+                        <a:rPr lang="de-DE" dirty="0"/>
+                        <a:t>8</a:t>
+                      </a:r>
+                    </a:p>
+                  </a:txBody>
+                  <a:tcPr/>
+                </a:tc>
+                <a:tc>
+                  <a:txBody>
+                    <a:bodyPr/>
+                    <a:lstStyle/>
+                    <a:p>
+                      <a:pPr algn="ctr"/>
+                      <a:r>
+                        <a:rPr lang="de-DE" dirty="0"/>
+                        <a:t>15</a:t>
+                      </a:r>
+                    </a:p>
+                  </a:txBody>
+                  <a:tcPr/>
+                </a:tc>
+                <a:extLst>
+                  <a:ext uri="{0D108BD9-81ED-4DB2-BD59-A6C34878D82A}">
+                    <a16:rowId xmlns:a16="http://schemas.microsoft.com/office/drawing/2014/main" val="3665094232"/>
+                  </a:ext>
+                </a:extLst>
+              </a:tr>
+            </a:tbl>
+          </a:graphicData>
+        </a:graphic>
+      </p:graphicFrame>
+      <p:graphicFrame>
+        <p:nvGraphicFramePr>
+          <p:cNvPr id="16" name="Tabelle 7">
+            <a:extLst>
+              <a:ext uri="{FF2B5EF4-FFF2-40B4-BE49-F238E27FC236}">
+                <a16:creationId xmlns:a16="http://schemas.microsoft.com/office/drawing/2014/main" id="{19B4D30F-11B7-4E66-8D08-0783423EF944}"/>
+              </a:ext>
+            </a:extLst>
+          </p:cNvPr>
+          <p:cNvGraphicFramePr>
+            <a:graphicFrameLocks noGrp="1"/>
+          </p:cNvGraphicFramePr>
+          <p:nvPr>
+            <p:extLst>
+              <p:ext uri="{D42A27DB-BD31-4B8C-83A1-F6EECF244321}">
+                <p14:modId xmlns:p14="http://schemas.microsoft.com/office/powerpoint/2010/main" val="3245118453"/>
+              </p:ext>
+            </p:extLst>
+          </p:nvPr>
+        </p:nvGraphicFramePr>
+        <p:xfrm>
+          <a:off x="6774619" y="3536172"/>
+          <a:ext cx="944058" cy="1097280"/>
+        </p:xfrm>
+        <a:graphic>
+          <a:graphicData uri="http://schemas.openxmlformats.org/drawingml/2006/table">
+            <a:tbl>
+              <a:tblPr firstRow="1" bandRow="1">
+                <a:tableStyleId>{5C22544A-7EE6-4342-B048-85BDC9FD1C3A}</a:tableStyleId>
+              </a:tblPr>
+              <a:tblGrid>
+                <a:gridCol w="472029">
+                  <a:extLst>
+                    <a:ext uri="{9D8B030D-6E8A-4147-A177-3AD203B41FA5}">
+                      <a16:colId xmlns:a16="http://schemas.microsoft.com/office/drawing/2014/main" val="1329225509"/>
+                    </a:ext>
+                  </a:extLst>
+                </a:gridCol>
+                <a:gridCol w="472029">
+                  <a:extLst>
+                    <a:ext uri="{9D8B030D-6E8A-4147-A177-3AD203B41FA5}">
+                      <a16:colId xmlns:a16="http://schemas.microsoft.com/office/drawing/2014/main" val="4206129725"/>
+                    </a:ext>
+                  </a:extLst>
+                </a:gridCol>
+              </a:tblGrid>
+              <a:tr h="306647">
+                <a:tc gridSpan="2">
+                  <a:txBody>
+                    <a:bodyPr/>
+                    <a:lstStyle/>
+                    <a:p>
+                      <a:pPr algn="ctr"/>
+                      <a:r>
+                        <a:rPr lang="de-DE" dirty="0"/>
+                        <a:t>F</a:t>
+                      </a:r>
+                    </a:p>
+                  </a:txBody>
+                  <a:tcPr/>
+                </a:tc>
+                <a:tc hMerge="1">
+                  <a:txBody>
+                    <a:bodyPr/>
+                    <a:lstStyle/>
+                    <a:p>
+                      <a:endParaRPr lang="de-DE" dirty="0"/>
+                    </a:p>
+                  </a:txBody>
+                  <a:tcPr/>
+                </a:tc>
+                <a:extLst>
+                  <a:ext uri="{0D108BD9-81ED-4DB2-BD59-A6C34878D82A}">
+                    <a16:rowId xmlns:a16="http://schemas.microsoft.com/office/drawing/2014/main" val="3507648942"/>
+                  </a:ext>
+                </a:extLst>
+              </a:tr>
+              <a:tr h="306647">
+                <a:tc>
+                  <a:txBody>
+                    <a:bodyPr/>
+                    <a:lstStyle/>
+                    <a:p>
+                      <a:pPr algn="ctr"/>
+                      <a:r>
+                        <a:rPr lang="de-DE" dirty="0"/>
+                        <a:t>15</a:t>
+                      </a:r>
+                    </a:p>
+                  </a:txBody>
+                  <a:tcPr/>
+                </a:tc>
+                <a:tc>
+                  <a:txBody>
+                    <a:bodyPr/>
+                    <a:lstStyle/>
+                    <a:p>
+                      <a:pPr algn="ctr"/>
+                      <a:r>
+                        <a:rPr lang="de-DE" dirty="0"/>
+                        <a:t>24</a:t>
+                      </a:r>
+                    </a:p>
+                  </a:txBody>
+                  <a:tcPr/>
+                </a:tc>
+                <a:extLst>
+                  <a:ext uri="{0D108BD9-81ED-4DB2-BD59-A6C34878D82A}">
+                    <a16:rowId xmlns:a16="http://schemas.microsoft.com/office/drawing/2014/main" val="404102209"/>
+                  </a:ext>
+                </a:extLst>
+              </a:tr>
+              <a:tr h="306647">
+                <a:tc>
+                  <a:txBody>
+                    <a:bodyPr/>
+                    <a:lstStyle/>
+                    <a:p>
+                      <a:pPr algn="ctr"/>
+                      <a:r>
+                        <a:rPr lang="de-DE" dirty="0"/>
+                        <a:t>15</a:t>
+                      </a:r>
+                    </a:p>
+                  </a:txBody>
+                  <a:tcPr/>
+                </a:tc>
+                <a:tc>
+                  <a:txBody>
+                    <a:bodyPr/>
+                    <a:lstStyle/>
+                    <a:p>
+                      <a:pPr algn="ctr"/>
+                      <a:r>
+                        <a:rPr lang="de-DE" dirty="0"/>
+                        <a:t>24</a:t>
+                      </a:r>
+                    </a:p>
+                  </a:txBody>
+                  <a:tcPr/>
+                </a:tc>
+                <a:extLst>
+                  <a:ext uri="{0D108BD9-81ED-4DB2-BD59-A6C34878D82A}">
+                    <a16:rowId xmlns:a16="http://schemas.microsoft.com/office/drawing/2014/main" val="3665094232"/>
+                  </a:ext>
+                </a:extLst>
+              </a:tr>
+            </a:tbl>
+          </a:graphicData>
+        </a:graphic>
+      </p:graphicFrame>
+      <p:graphicFrame>
+        <p:nvGraphicFramePr>
+          <p:cNvPr id="17" name="Tabelle 7">
+            <a:extLst>
+              <a:ext uri="{FF2B5EF4-FFF2-40B4-BE49-F238E27FC236}">
+                <a16:creationId xmlns:a16="http://schemas.microsoft.com/office/drawing/2014/main" id="{4C9B357A-694A-42C9-B9F2-E90F3878BE75}"/>
+              </a:ext>
+            </a:extLst>
+          </p:cNvPr>
+          <p:cNvGraphicFramePr>
+            <a:graphicFrameLocks noGrp="1"/>
+          </p:cNvGraphicFramePr>
+          <p:nvPr>
+            <p:extLst>
+              <p:ext uri="{D42A27DB-BD31-4B8C-83A1-F6EECF244321}">
+                <p14:modId xmlns:p14="http://schemas.microsoft.com/office/powerpoint/2010/main" val="2627812405"/>
+              </p:ext>
+            </p:extLst>
+          </p:nvPr>
+        </p:nvGraphicFramePr>
+        <p:xfrm>
+          <a:off x="7672264" y="1749906"/>
+          <a:ext cx="944058" cy="1097280"/>
+        </p:xfrm>
+        <a:graphic>
+          <a:graphicData uri="http://schemas.openxmlformats.org/drawingml/2006/table">
+            <a:tbl>
+              <a:tblPr firstRow="1" bandRow="1">
+                <a:tableStyleId>{5C22544A-7EE6-4342-B048-85BDC9FD1C3A}</a:tableStyleId>
+              </a:tblPr>
+              <a:tblGrid>
+                <a:gridCol w="472029">
+                  <a:extLst>
+                    <a:ext uri="{9D8B030D-6E8A-4147-A177-3AD203B41FA5}">
+                      <a16:colId xmlns:a16="http://schemas.microsoft.com/office/drawing/2014/main" val="1329225509"/>
+                    </a:ext>
+                  </a:extLst>
+                </a:gridCol>
+                <a:gridCol w="472029">
+                  <a:extLst>
+                    <a:ext uri="{9D8B030D-6E8A-4147-A177-3AD203B41FA5}">
+                      <a16:colId xmlns:a16="http://schemas.microsoft.com/office/drawing/2014/main" val="4206129725"/>
+                    </a:ext>
+                  </a:extLst>
+                </a:gridCol>
+              </a:tblGrid>
+              <a:tr h="306647">
+                <a:tc gridSpan="2">
+                  <a:txBody>
+                    <a:bodyPr/>
+                    <a:lstStyle/>
+                    <a:p>
+                      <a:pPr algn="ctr"/>
+                      <a:r>
+                        <a:rPr lang="de-DE" dirty="0"/>
+                        <a:t>G</a:t>
+                      </a:r>
+                    </a:p>
+                  </a:txBody>
+                  <a:tcPr/>
+                </a:tc>
+                <a:tc hMerge="1">
+                  <a:txBody>
+                    <a:bodyPr/>
+                    <a:lstStyle/>
+                    <a:p>
+                      <a:endParaRPr lang="de-DE" dirty="0"/>
+                    </a:p>
+                  </a:txBody>
+                  <a:tcPr/>
+                </a:tc>
+                <a:extLst>
+                  <a:ext uri="{0D108BD9-81ED-4DB2-BD59-A6C34878D82A}">
+                    <a16:rowId xmlns:a16="http://schemas.microsoft.com/office/drawing/2014/main" val="3507648942"/>
+                  </a:ext>
+                </a:extLst>
+              </a:tr>
+              <a:tr h="306647">
+                <a:tc>
+                  <a:txBody>
+                    <a:bodyPr/>
+                    <a:lstStyle/>
+                    <a:p>
+                      <a:pPr algn="ctr"/>
+                      <a:r>
+                        <a:rPr lang="de-DE" dirty="0"/>
+                        <a:t>18</a:t>
+                      </a:r>
+                    </a:p>
+                  </a:txBody>
+                  <a:tcPr/>
+                </a:tc>
+                <a:tc>
+                  <a:txBody>
+                    <a:bodyPr/>
+                    <a:lstStyle/>
+                    <a:p>
+                      <a:pPr algn="ctr"/>
+                      <a:r>
+                        <a:rPr lang="de-DE" dirty="0"/>
+                        <a:t>21</a:t>
+                      </a:r>
+                    </a:p>
+                  </a:txBody>
+                  <a:tcPr/>
+                </a:tc>
+                <a:extLst>
+                  <a:ext uri="{0D108BD9-81ED-4DB2-BD59-A6C34878D82A}">
+                    <a16:rowId xmlns:a16="http://schemas.microsoft.com/office/drawing/2014/main" val="404102209"/>
+                  </a:ext>
+                </a:extLst>
+              </a:tr>
+              <a:tr h="306647">
+                <a:tc>
+                  <a:txBody>
+                    <a:bodyPr/>
+                    <a:lstStyle/>
+                    <a:p>
+                      <a:pPr algn="ctr"/>
+                      <a:r>
+                        <a:rPr lang="de-DE" dirty="0"/>
+                        <a:t>27</a:t>
+                      </a:r>
+                    </a:p>
+                  </a:txBody>
+                  <a:tcPr/>
+                </a:tc>
+                <a:tc>
+                  <a:txBody>
+                    <a:bodyPr/>
+                    <a:lstStyle/>
+                    <a:p>
+                      <a:pPr algn="ctr"/>
+                      <a:r>
+                        <a:rPr lang="de-DE" dirty="0"/>
+                        <a:t>30</a:t>
+                      </a:r>
+                    </a:p>
+                  </a:txBody>
+                  <a:tcPr/>
+                </a:tc>
+                <a:extLst>
+                  <a:ext uri="{0D108BD9-81ED-4DB2-BD59-A6C34878D82A}">
+                    <a16:rowId xmlns:a16="http://schemas.microsoft.com/office/drawing/2014/main" val="3665094232"/>
+                  </a:ext>
+                </a:extLst>
+              </a:tr>
+            </a:tbl>
+          </a:graphicData>
+        </a:graphic>
+      </p:graphicFrame>
+      <p:graphicFrame>
+        <p:nvGraphicFramePr>
+          <p:cNvPr id="18" name="Tabelle 7">
+            <a:extLst>
+              <a:ext uri="{FF2B5EF4-FFF2-40B4-BE49-F238E27FC236}">
+                <a16:creationId xmlns:a16="http://schemas.microsoft.com/office/drawing/2014/main" id="{0115C7A4-B8D5-41BB-B8DC-AB4FEE68DA22}"/>
+              </a:ext>
+            </a:extLst>
+          </p:cNvPr>
+          <p:cNvGraphicFramePr>
+            <a:graphicFrameLocks noGrp="1"/>
+          </p:cNvGraphicFramePr>
+          <p:nvPr>
+            <p:extLst>
+              <p:ext uri="{D42A27DB-BD31-4B8C-83A1-F6EECF244321}">
+                <p14:modId xmlns:p14="http://schemas.microsoft.com/office/powerpoint/2010/main" val="3403179091"/>
+              </p:ext>
+            </p:extLst>
+          </p:nvPr>
+        </p:nvGraphicFramePr>
+        <p:xfrm>
+          <a:off x="8680232" y="3605686"/>
+          <a:ext cx="944058" cy="1097280"/>
+        </p:xfrm>
+        <a:graphic>
+          <a:graphicData uri="http://schemas.openxmlformats.org/drawingml/2006/table">
+            <a:tbl>
+              <a:tblPr firstRow="1" bandRow="1">
+                <a:tableStyleId>{5C22544A-7EE6-4342-B048-85BDC9FD1C3A}</a:tableStyleId>
+              </a:tblPr>
+              <a:tblGrid>
+                <a:gridCol w="472029">
+                  <a:extLst>
+                    <a:ext uri="{9D8B030D-6E8A-4147-A177-3AD203B41FA5}">
+                      <a16:colId xmlns:a16="http://schemas.microsoft.com/office/drawing/2014/main" val="1329225509"/>
+                    </a:ext>
+                  </a:extLst>
+                </a:gridCol>
+                <a:gridCol w="472029">
+                  <a:extLst>
+                    <a:ext uri="{9D8B030D-6E8A-4147-A177-3AD203B41FA5}">
+                      <a16:colId xmlns:a16="http://schemas.microsoft.com/office/drawing/2014/main" val="4206129725"/>
+                    </a:ext>
+                  </a:extLst>
+                </a:gridCol>
+              </a:tblGrid>
+              <a:tr h="306647">
+                <a:tc gridSpan="2">
+                  <a:txBody>
+                    <a:bodyPr/>
+                    <a:lstStyle/>
+                    <a:p>
+                      <a:pPr algn="ctr"/>
+                      <a:r>
+                        <a:rPr lang="de-DE" dirty="0"/>
+                        <a:t>H</a:t>
+                      </a:r>
+                    </a:p>
+                  </a:txBody>
+                  <a:tcPr/>
+                </a:tc>
+                <a:tc hMerge="1">
+                  <a:txBody>
+                    <a:bodyPr/>
+                    <a:lstStyle/>
+                    <a:p>
+                      <a:endParaRPr lang="de-DE" dirty="0"/>
+                    </a:p>
+                  </a:txBody>
+                  <a:tcPr/>
+                </a:tc>
+                <a:extLst>
+                  <a:ext uri="{0D108BD9-81ED-4DB2-BD59-A6C34878D82A}">
+                    <a16:rowId xmlns:a16="http://schemas.microsoft.com/office/drawing/2014/main" val="3507648942"/>
+                  </a:ext>
+                </a:extLst>
+              </a:tr>
+              <a:tr h="306647">
+                <a:tc>
+                  <a:txBody>
+                    <a:bodyPr/>
+                    <a:lstStyle/>
+                    <a:p>
+                      <a:pPr algn="ctr"/>
+                      <a:r>
+                        <a:rPr lang="de-DE" dirty="0"/>
+                        <a:t>24</a:t>
+                      </a:r>
+                    </a:p>
+                  </a:txBody>
+                  <a:tcPr/>
+                </a:tc>
+                <a:tc>
+                  <a:txBody>
+                    <a:bodyPr/>
+                    <a:lstStyle/>
+                    <a:p>
+                      <a:pPr algn="ctr"/>
+                      <a:r>
+                        <a:rPr lang="de-DE" dirty="0"/>
+                        <a:t>30</a:t>
+                      </a:r>
+                    </a:p>
+                  </a:txBody>
+                  <a:tcPr/>
+                </a:tc>
+                <a:extLst>
+                  <a:ext uri="{0D108BD9-81ED-4DB2-BD59-A6C34878D82A}">
+                    <a16:rowId xmlns:a16="http://schemas.microsoft.com/office/drawing/2014/main" val="404102209"/>
+                  </a:ext>
+                </a:extLst>
+              </a:tr>
+              <a:tr h="306647">
+                <a:tc>
+                  <a:txBody>
+                    <a:bodyPr/>
+                    <a:lstStyle/>
+                    <a:p>
+                      <a:pPr algn="ctr"/>
+                      <a:r>
+                        <a:rPr lang="de-DE" dirty="0"/>
+                        <a:t>24</a:t>
+                      </a:r>
+                    </a:p>
+                  </a:txBody>
+                  <a:tcPr/>
+                </a:tc>
+                <a:tc>
+                  <a:txBody>
+                    <a:bodyPr/>
+                    <a:lstStyle/>
+                    <a:p>
+                      <a:pPr algn="ctr"/>
+                      <a:r>
+                        <a:rPr lang="de-DE" dirty="0"/>
+                        <a:t>30</a:t>
+                      </a:r>
+                    </a:p>
+                  </a:txBody>
+                  <a:tcPr/>
+                </a:tc>
+                <a:extLst>
+                  <a:ext uri="{0D108BD9-81ED-4DB2-BD59-A6C34878D82A}">
+                    <a16:rowId xmlns:a16="http://schemas.microsoft.com/office/drawing/2014/main" val="3665094232"/>
+                  </a:ext>
+                </a:extLst>
+              </a:tr>
+            </a:tbl>
+          </a:graphicData>
+        </a:graphic>
+      </p:graphicFrame>
+      <p:cxnSp>
+        <p:nvCxnSpPr>
+          <p:cNvPr id="20" name="Gerade Verbindung mit Pfeil 19">
+            <a:extLst>
+              <a:ext uri="{FF2B5EF4-FFF2-40B4-BE49-F238E27FC236}">
+                <a16:creationId xmlns:a16="http://schemas.microsoft.com/office/drawing/2014/main" id="{29C491A0-D6DF-48BA-A59B-347C848908A7}"/>
+              </a:ext>
+            </a:extLst>
+          </p:cNvPr>
+          <p:cNvCxnSpPr>
+            <a:cxnSpLocks/>
+          </p:cNvCxnSpPr>
+          <p:nvPr/>
+        </p:nvCxnSpPr>
+        <p:spPr>
+          <a:xfrm>
+            <a:off x="1518867" y="3307621"/>
+            <a:ext cx="524257" cy="386685"/>
+          </a:xfrm>
+          <a:prstGeom prst="straightConnector1">
+            <a:avLst/>
+          </a:prstGeom>
+          <a:ln>
+            <a:solidFill>
+              <a:schemeClr val="tx1"/>
+            </a:solidFill>
+            <a:tailEnd type="triangle"/>
+          </a:ln>
+        </p:spPr>
+        <p:style>
+          <a:lnRef idx="3">
+            <a:schemeClr val="dk1"/>
+          </a:lnRef>
+          <a:fillRef idx="0">
+            <a:schemeClr val="dk1"/>
+          </a:fillRef>
+          <a:effectRef idx="2">
+            <a:schemeClr val="dk1"/>
+          </a:effectRef>
+          <a:fontRef idx="minor">
+            <a:schemeClr val="tx1"/>
+          </a:fontRef>
+        </p:style>
+      </p:cxnSp>
+      <p:cxnSp>
+        <p:nvCxnSpPr>
+          <p:cNvPr id="22" name="Gerade Verbindung mit Pfeil 21">
+            <a:extLst>
+              <a:ext uri="{FF2B5EF4-FFF2-40B4-BE49-F238E27FC236}">
+                <a16:creationId xmlns:a16="http://schemas.microsoft.com/office/drawing/2014/main" id="{B10A5E99-86C1-4BD3-905A-681E3D074055}"/>
+              </a:ext>
+            </a:extLst>
+          </p:cNvPr>
+          <p:cNvCxnSpPr>
+            <a:cxnSpLocks/>
+          </p:cNvCxnSpPr>
+          <p:nvPr/>
+        </p:nvCxnSpPr>
+        <p:spPr>
+          <a:xfrm flipV="1">
+            <a:off x="1518867" y="2367921"/>
+            <a:ext cx="503293" cy="518872"/>
+          </a:xfrm>
+          <a:prstGeom prst="straightConnector1">
+            <a:avLst/>
+          </a:prstGeom>
+          <a:ln>
+            <a:solidFill>
+              <a:schemeClr val="tx1"/>
+            </a:solidFill>
+            <a:tailEnd type="triangle"/>
+          </a:ln>
+        </p:spPr>
+        <p:style>
+          <a:lnRef idx="3">
+            <a:schemeClr val="dk1"/>
+          </a:lnRef>
+          <a:fillRef idx="0">
+            <a:schemeClr val="dk1"/>
+          </a:fillRef>
+          <a:effectRef idx="2">
+            <a:schemeClr val="dk1"/>
+          </a:effectRef>
+          <a:fontRef idx="minor">
+            <a:schemeClr val="tx1"/>
+          </a:fontRef>
+        </p:style>
+      </p:cxnSp>
+      <p:cxnSp>
+        <p:nvCxnSpPr>
+          <p:cNvPr id="24" name="Gerade Verbindung mit Pfeil 23">
+            <a:extLst>
+              <a:ext uri="{FF2B5EF4-FFF2-40B4-BE49-F238E27FC236}">
+                <a16:creationId xmlns:a16="http://schemas.microsoft.com/office/drawing/2014/main" id="{5BF33FAF-192E-4C4E-9A01-3155756A4053}"/>
+              </a:ext>
+            </a:extLst>
+          </p:cNvPr>
+          <p:cNvCxnSpPr>
+            <a:cxnSpLocks/>
+          </p:cNvCxnSpPr>
+          <p:nvPr/>
+        </p:nvCxnSpPr>
+        <p:spPr>
+          <a:xfrm>
+            <a:off x="3336429" y="2081244"/>
+            <a:ext cx="1494576" cy="46492"/>
+          </a:xfrm>
+          <a:prstGeom prst="straightConnector1">
+            <a:avLst/>
+          </a:prstGeom>
+          <a:ln>
+            <a:solidFill>
+              <a:schemeClr val="tx1"/>
+            </a:solidFill>
+            <a:tailEnd type="triangle"/>
+          </a:ln>
+        </p:spPr>
+        <p:style>
+          <a:lnRef idx="3">
+            <a:schemeClr val="dk1"/>
+          </a:lnRef>
+          <a:fillRef idx="0">
+            <a:schemeClr val="dk1"/>
+          </a:fillRef>
+          <a:effectRef idx="2">
+            <a:schemeClr val="dk1"/>
+          </a:effectRef>
+          <a:fontRef idx="minor">
+            <a:schemeClr val="tx1"/>
+          </a:fontRef>
+        </p:style>
+      </p:cxnSp>
+      <p:cxnSp>
+        <p:nvCxnSpPr>
+          <p:cNvPr id="26" name="Gerade Verbindung mit Pfeil 25">
+            <a:extLst>
+              <a:ext uri="{FF2B5EF4-FFF2-40B4-BE49-F238E27FC236}">
+                <a16:creationId xmlns:a16="http://schemas.microsoft.com/office/drawing/2014/main" id="{5CD4E21D-2589-4891-86D7-CDB49E89E96A}"/>
+              </a:ext>
+            </a:extLst>
+          </p:cNvPr>
+          <p:cNvCxnSpPr>
+            <a:cxnSpLocks/>
+          </p:cNvCxnSpPr>
+          <p:nvPr/>
+        </p:nvCxnSpPr>
+        <p:spPr>
+          <a:xfrm flipV="1">
+            <a:off x="3206538" y="3397243"/>
+            <a:ext cx="197349" cy="138929"/>
+          </a:xfrm>
+          <a:prstGeom prst="straightConnector1">
+            <a:avLst/>
+          </a:prstGeom>
+          <a:ln>
+            <a:solidFill>
+              <a:schemeClr val="tx1"/>
+            </a:solidFill>
+            <a:tailEnd type="triangle"/>
+          </a:ln>
+        </p:spPr>
+        <p:style>
+          <a:lnRef idx="3">
+            <a:schemeClr val="dk1"/>
+          </a:lnRef>
+          <a:fillRef idx="0">
+            <a:schemeClr val="dk1"/>
+          </a:fillRef>
+          <a:effectRef idx="2">
+            <a:schemeClr val="dk1"/>
+          </a:effectRef>
+          <a:fontRef idx="minor">
+            <a:schemeClr val="tx1"/>
+          </a:fontRef>
+        </p:style>
+      </p:cxnSp>
+      <p:cxnSp>
+        <p:nvCxnSpPr>
+          <p:cNvPr id="28" name="Gerade Verbindung mit Pfeil 27">
+            <a:extLst>
+              <a:ext uri="{FF2B5EF4-FFF2-40B4-BE49-F238E27FC236}">
+                <a16:creationId xmlns:a16="http://schemas.microsoft.com/office/drawing/2014/main" id="{A4806846-88EB-42E7-99F9-2A25E9B254E2}"/>
+              </a:ext>
+            </a:extLst>
+          </p:cNvPr>
+          <p:cNvCxnSpPr>
+            <a:cxnSpLocks/>
+          </p:cNvCxnSpPr>
+          <p:nvPr/>
+        </p:nvCxnSpPr>
+        <p:spPr>
+          <a:xfrm flipV="1">
+            <a:off x="4645210" y="2326674"/>
+            <a:ext cx="185795" cy="314754"/>
+          </a:xfrm>
+          <a:prstGeom prst="straightConnector1">
+            <a:avLst/>
+          </a:prstGeom>
+          <a:ln>
+            <a:solidFill>
+              <a:schemeClr val="tx1"/>
+            </a:solidFill>
+            <a:tailEnd type="triangle"/>
+          </a:ln>
+        </p:spPr>
+        <p:style>
+          <a:lnRef idx="3">
+            <a:schemeClr val="dk1"/>
+          </a:lnRef>
+          <a:fillRef idx="0">
+            <a:schemeClr val="dk1"/>
+          </a:fillRef>
+          <a:effectRef idx="2">
+            <a:schemeClr val="dk1"/>
+          </a:effectRef>
+          <a:fontRef idx="minor">
+            <a:schemeClr val="tx1"/>
+          </a:fontRef>
+        </p:style>
+      </p:cxnSp>
+      <p:cxnSp>
+        <p:nvCxnSpPr>
+          <p:cNvPr id="30" name="Gerade Verbindung mit Pfeil 29">
+            <a:extLst>
+              <a:ext uri="{FF2B5EF4-FFF2-40B4-BE49-F238E27FC236}">
+                <a16:creationId xmlns:a16="http://schemas.microsoft.com/office/drawing/2014/main" id="{16B182F6-D29D-4844-AC5F-B6D2B3AA97FD}"/>
+              </a:ext>
+            </a:extLst>
+          </p:cNvPr>
+          <p:cNvCxnSpPr>
+            <a:cxnSpLocks/>
+          </p:cNvCxnSpPr>
+          <p:nvPr/>
+        </p:nvCxnSpPr>
+        <p:spPr>
+          <a:xfrm>
+            <a:off x="3256834" y="4115109"/>
+            <a:ext cx="1609495" cy="218959"/>
+          </a:xfrm>
+          <a:prstGeom prst="straightConnector1">
+            <a:avLst/>
+          </a:prstGeom>
+          <a:ln>
+            <a:solidFill>
+              <a:schemeClr val="tx1"/>
+            </a:solidFill>
+            <a:tailEnd type="triangle"/>
+          </a:ln>
+        </p:spPr>
+        <p:style>
+          <a:lnRef idx="3">
+            <a:schemeClr val="dk1"/>
+          </a:lnRef>
+          <a:fillRef idx="0">
+            <a:schemeClr val="dk1"/>
+          </a:fillRef>
+          <a:effectRef idx="2">
+            <a:schemeClr val="dk1"/>
+          </a:effectRef>
+          <a:fontRef idx="minor">
+            <a:schemeClr val="tx1"/>
+          </a:fontRef>
+        </p:style>
+      </p:cxnSp>
+      <p:cxnSp>
+        <p:nvCxnSpPr>
+          <p:cNvPr id="32" name="Gerade Verbindung mit Pfeil 31">
+            <a:extLst>
+              <a:ext uri="{FF2B5EF4-FFF2-40B4-BE49-F238E27FC236}">
+                <a16:creationId xmlns:a16="http://schemas.microsoft.com/office/drawing/2014/main" id="{809BF9B1-C52B-47A6-B12A-0ED59B5FEFFC}"/>
+              </a:ext>
+            </a:extLst>
+          </p:cNvPr>
+          <p:cNvCxnSpPr>
+            <a:cxnSpLocks/>
+          </p:cNvCxnSpPr>
+          <p:nvPr/>
+        </p:nvCxnSpPr>
+        <p:spPr>
+          <a:xfrm flipV="1">
+            <a:off x="6093580" y="4131056"/>
+            <a:ext cx="538104" cy="203012"/>
+          </a:xfrm>
+          <a:prstGeom prst="straightConnector1">
+            <a:avLst/>
+          </a:prstGeom>
+          <a:ln>
+            <a:solidFill>
+              <a:schemeClr val="tx1"/>
+            </a:solidFill>
+            <a:tailEnd type="triangle"/>
+          </a:ln>
+        </p:spPr>
+        <p:style>
+          <a:lnRef idx="3">
+            <a:schemeClr val="dk1"/>
+          </a:lnRef>
+          <a:fillRef idx="0">
+            <a:schemeClr val="dk1"/>
+          </a:fillRef>
+          <a:effectRef idx="2">
+            <a:schemeClr val="dk1"/>
+          </a:effectRef>
+          <a:fontRef idx="minor">
+            <a:schemeClr val="tx1"/>
+          </a:fontRef>
+        </p:style>
+      </p:cxnSp>
+      <p:cxnSp>
+        <p:nvCxnSpPr>
+          <p:cNvPr id="34" name="Gerade Verbindung mit Pfeil 33">
+            <a:extLst>
+              <a:ext uri="{FF2B5EF4-FFF2-40B4-BE49-F238E27FC236}">
+                <a16:creationId xmlns:a16="http://schemas.microsoft.com/office/drawing/2014/main" id="{971DF43C-F3DE-4E81-972C-86629FB7A981}"/>
+              </a:ext>
+            </a:extLst>
+          </p:cNvPr>
+          <p:cNvCxnSpPr>
+            <a:cxnSpLocks/>
+          </p:cNvCxnSpPr>
+          <p:nvPr/>
+        </p:nvCxnSpPr>
+        <p:spPr>
+          <a:xfrm>
+            <a:off x="6094412" y="2170046"/>
+            <a:ext cx="1437358" cy="179917"/>
+          </a:xfrm>
+          <a:prstGeom prst="straightConnector1">
+            <a:avLst/>
+          </a:prstGeom>
+          <a:ln>
+            <a:solidFill>
+              <a:schemeClr val="tx1"/>
+            </a:solidFill>
+            <a:tailEnd type="triangle"/>
+          </a:ln>
+        </p:spPr>
+        <p:style>
+          <a:lnRef idx="3">
+            <a:schemeClr val="dk1"/>
+          </a:lnRef>
+          <a:fillRef idx="0">
+            <a:schemeClr val="dk1"/>
+          </a:fillRef>
+          <a:effectRef idx="2">
+            <a:schemeClr val="dk1"/>
+          </a:effectRef>
+          <a:fontRef idx="minor">
+            <a:schemeClr val="tx1"/>
+          </a:fontRef>
+        </p:style>
+      </p:cxnSp>
+      <p:cxnSp>
+        <p:nvCxnSpPr>
+          <p:cNvPr id="36" name="Gerade Verbindung mit Pfeil 35">
+            <a:extLst>
+              <a:ext uri="{FF2B5EF4-FFF2-40B4-BE49-F238E27FC236}">
+                <a16:creationId xmlns:a16="http://schemas.microsoft.com/office/drawing/2014/main" id="{041CBEE2-FD2E-41EA-8CE3-1E3D46B39BDB}"/>
+              </a:ext>
+            </a:extLst>
+          </p:cNvPr>
+          <p:cNvCxnSpPr>
+            <a:cxnSpLocks/>
+          </p:cNvCxnSpPr>
+          <p:nvPr/>
+        </p:nvCxnSpPr>
+        <p:spPr>
+          <a:xfrm flipV="1">
+            <a:off x="6093816" y="2550103"/>
+            <a:ext cx="1354673" cy="1144203"/>
+          </a:xfrm>
+          <a:prstGeom prst="straightConnector1">
+            <a:avLst/>
+          </a:prstGeom>
+          <a:ln>
+            <a:solidFill>
+              <a:schemeClr val="tx1"/>
+            </a:solidFill>
+            <a:tailEnd type="triangle"/>
+          </a:ln>
+        </p:spPr>
+        <p:style>
+          <a:lnRef idx="3">
+            <a:schemeClr val="dk1"/>
+          </a:lnRef>
+          <a:fillRef idx="0">
+            <a:schemeClr val="dk1"/>
+          </a:fillRef>
+          <a:effectRef idx="2">
+            <a:schemeClr val="dk1"/>
+          </a:effectRef>
+          <a:fontRef idx="minor">
+            <a:schemeClr val="tx1"/>
+          </a:fontRef>
+        </p:style>
+      </p:cxnSp>
+      <p:cxnSp>
+        <p:nvCxnSpPr>
+          <p:cNvPr id="38" name="Gerade Verbindung mit Pfeil 37">
+            <a:extLst>
+              <a:ext uri="{FF2B5EF4-FFF2-40B4-BE49-F238E27FC236}">
+                <a16:creationId xmlns:a16="http://schemas.microsoft.com/office/drawing/2014/main" id="{73FE8A86-DD29-44C2-814F-FAC0DEACC390}"/>
+              </a:ext>
+            </a:extLst>
+          </p:cNvPr>
+          <p:cNvCxnSpPr>
+            <a:cxnSpLocks/>
+          </p:cNvCxnSpPr>
+          <p:nvPr/>
+        </p:nvCxnSpPr>
+        <p:spPr>
+          <a:xfrm>
+            <a:off x="7861612" y="4096627"/>
+            <a:ext cx="678362" cy="18482"/>
+          </a:xfrm>
+          <a:prstGeom prst="straightConnector1">
+            <a:avLst/>
+          </a:prstGeom>
+          <a:ln>
+            <a:solidFill>
+              <a:schemeClr val="tx1"/>
+            </a:solidFill>
+            <a:tailEnd type="triangle"/>
+          </a:ln>
+        </p:spPr>
+        <p:style>
+          <a:lnRef idx="3">
+            <a:schemeClr val="dk1"/>
+          </a:lnRef>
+          <a:fillRef idx="0">
+            <a:schemeClr val="dk1"/>
+          </a:fillRef>
+          <a:effectRef idx="2">
+            <a:schemeClr val="dk1"/>
+          </a:effectRef>
+          <a:fontRef idx="minor">
+            <a:schemeClr val="tx1"/>
+          </a:fontRef>
+        </p:style>
+      </p:cxnSp>
+      <p:cxnSp>
+        <p:nvCxnSpPr>
+          <p:cNvPr id="40" name="Gerade Verbindung mit Pfeil 39">
+            <a:extLst>
+              <a:ext uri="{FF2B5EF4-FFF2-40B4-BE49-F238E27FC236}">
+                <a16:creationId xmlns:a16="http://schemas.microsoft.com/office/drawing/2014/main" id="{108615F8-965D-402A-A1DD-11B63D14B345}"/>
+              </a:ext>
+            </a:extLst>
+          </p:cNvPr>
+          <p:cNvCxnSpPr>
+            <a:cxnSpLocks/>
+          </p:cNvCxnSpPr>
+          <p:nvPr/>
+        </p:nvCxnSpPr>
+        <p:spPr>
+          <a:xfrm flipV="1">
+            <a:off x="9675462" y="3186545"/>
+            <a:ext cx="918647" cy="508344"/>
+          </a:xfrm>
+          <a:prstGeom prst="straightConnector1">
+            <a:avLst/>
+          </a:prstGeom>
+          <a:ln>
+            <a:solidFill>
+              <a:schemeClr val="tx1"/>
+            </a:solidFill>
+            <a:tailEnd type="triangle"/>
+          </a:ln>
+        </p:spPr>
+        <p:style>
+          <a:lnRef idx="3">
+            <a:schemeClr val="dk1"/>
+          </a:lnRef>
+          <a:fillRef idx="0">
+            <a:schemeClr val="dk1"/>
+          </a:fillRef>
+          <a:effectRef idx="2">
+            <a:schemeClr val="dk1"/>
+          </a:effectRef>
+          <a:fontRef idx="minor">
+            <a:schemeClr val="tx1"/>
+          </a:fontRef>
+        </p:style>
+      </p:cxnSp>
+      <p:cxnSp>
+        <p:nvCxnSpPr>
+          <p:cNvPr id="42" name="Gerade Verbindung mit Pfeil 41">
+            <a:extLst>
+              <a:ext uri="{FF2B5EF4-FFF2-40B4-BE49-F238E27FC236}">
+                <a16:creationId xmlns:a16="http://schemas.microsoft.com/office/drawing/2014/main" id="{A9DF2A30-920D-46F8-A681-FDE458FCC837}"/>
+              </a:ext>
+            </a:extLst>
+          </p:cNvPr>
+          <p:cNvCxnSpPr>
+            <a:cxnSpLocks/>
+          </p:cNvCxnSpPr>
+          <p:nvPr/>
+        </p:nvCxnSpPr>
+        <p:spPr>
+          <a:xfrm>
+            <a:off x="8756816" y="2252368"/>
+            <a:ext cx="1837293" cy="759851"/>
+          </a:xfrm>
+          <a:prstGeom prst="straightConnector1">
+            <a:avLst/>
+          </a:prstGeom>
+          <a:ln>
+            <a:solidFill>
+              <a:schemeClr val="tx1"/>
+            </a:solidFill>
+            <a:tailEnd type="triangle"/>
+          </a:ln>
+        </p:spPr>
+        <p:style>
+          <a:lnRef idx="3">
+            <a:schemeClr val="dk1"/>
+          </a:lnRef>
+          <a:fillRef idx="0">
+            <a:schemeClr val="dk1"/>
+          </a:fillRef>
+          <a:effectRef idx="2">
+            <a:schemeClr val="dk1"/>
+          </a:effectRef>
+          <a:fontRef idx="minor">
+            <a:schemeClr val="tx1"/>
+          </a:fontRef>
+        </p:style>
+      </p:cxnSp>
     </p:spTree>
     <p:extLst>
       <p:ext uri="{BB962C8B-B14F-4D97-AF65-F5344CB8AC3E}">
-        <p14:creationId xmlns:p14="http://schemas.microsoft.com/office/powerpoint/2010/main" val="975627160"/>
+        <p14:creationId xmlns:p14="http://schemas.microsoft.com/office/powerpoint/2010/main" val="2987523804"/>
       </p:ext>
     </p:extLst>
   </p:cSld>
   <p:clrMapOvr>
     <a:masterClrMapping/>
   </p:clrMapOvr>
+  <p:timing>
+    <p:tnLst>
+      <p:par>
+        <p:cTn id="1" dur="indefinite" restart="never" nodeType="tmRoot">
+          <p:childTnLst>
+            <p:seq concurrent="1" nextAc="seek">
+              <p:cTn id="2" dur="indefinite" nodeType="mainSeq">
+                <p:childTnLst>
+                  <p:par>
+                    <p:cTn id="3" fill="hold">
+                      <p:stCondLst>
+                        <p:cond delay="indefinite"/>
+                        <p:cond evt="onBegin" delay="0">
+                          <p:tn val="2"/>
+                        </p:cond>
+                      </p:stCondLst>
+                      <p:childTnLst>
+                        <p:par>
+                          <p:cTn id="4" fill="hold">
+                            <p:stCondLst>
+                              <p:cond delay="0"/>
+                            </p:stCondLst>
+                            <p:childTnLst>
+                              <p:par>
+                                <p:cTn id="5" presetID="22" presetClass="entr" presetSubtype="4" fill="hold" nodeType="withEffect">
+                                  <p:stCondLst>
+                                    <p:cond delay="0"/>
+                                  </p:stCondLst>
+                                  <p:childTnLst>
+                                    <p:set>
+                                      <p:cBhvr>
+                                        <p:cTn id="6" dur="1" fill="hold">
+                                          <p:stCondLst>
+                                            <p:cond delay="0"/>
+                                          </p:stCondLst>
+                                        </p:cTn>
+                                        <p:tgtEl>
+                                          <p:spTgt spid="24"/>
+                                        </p:tgtEl>
+                                        <p:attrNameLst>
+                                          <p:attrName>style.visibility</p:attrName>
+                                        </p:attrNameLst>
+                                      </p:cBhvr>
+                                      <p:to>
+                                        <p:strVal val="visible"/>
+                                      </p:to>
+                                    </p:set>
+                                    <p:animEffect transition="in" filter="wipe(down)">
+                                      <p:cBhvr>
+                                        <p:cTn id="7" dur="10"/>
+                                        <p:tgtEl>
+                                          <p:spTgt spid="24"/>
+                                        </p:tgtEl>
+                                      </p:cBhvr>
+                                    </p:animEffect>
+                                  </p:childTnLst>
+                                </p:cTn>
+                              </p:par>
+                              <p:par>
+                                <p:cTn id="8" presetID="22" presetClass="entr" presetSubtype="4" fill="hold" nodeType="withEffect">
+                                  <p:stCondLst>
+                                    <p:cond delay="0"/>
+                                  </p:stCondLst>
+                                  <p:childTnLst>
+                                    <p:set>
+                                      <p:cBhvr>
+                                        <p:cTn id="9" dur="1" fill="hold">
+                                          <p:stCondLst>
+                                            <p:cond delay="0"/>
+                                          </p:stCondLst>
+                                        </p:cTn>
+                                        <p:tgtEl>
+                                          <p:spTgt spid="26"/>
+                                        </p:tgtEl>
+                                        <p:attrNameLst>
+                                          <p:attrName>style.visibility</p:attrName>
+                                        </p:attrNameLst>
+                                      </p:cBhvr>
+                                      <p:to>
+                                        <p:strVal val="visible"/>
+                                      </p:to>
+                                    </p:set>
+                                    <p:animEffect transition="in" filter="wipe(down)">
+                                      <p:cBhvr>
+                                        <p:cTn id="10" dur="10"/>
+                                        <p:tgtEl>
+                                          <p:spTgt spid="26"/>
+                                        </p:tgtEl>
+                                      </p:cBhvr>
+                                    </p:animEffect>
+                                  </p:childTnLst>
+                                </p:cTn>
+                              </p:par>
+                              <p:par>
+                                <p:cTn id="11" presetID="22" presetClass="entr" presetSubtype="4" fill="hold" nodeType="withEffect">
+                                  <p:stCondLst>
+                                    <p:cond delay="0"/>
+                                  </p:stCondLst>
+                                  <p:childTnLst>
+                                    <p:set>
+                                      <p:cBhvr>
+                                        <p:cTn id="12" dur="1" fill="hold">
+                                          <p:stCondLst>
+                                            <p:cond delay="0"/>
+                                          </p:stCondLst>
+                                        </p:cTn>
+                                        <p:tgtEl>
+                                          <p:spTgt spid="28"/>
+                                        </p:tgtEl>
+                                        <p:attrNameLst>
+                                          <p:attrName>style.visibility</p:attrName>
+                                        </p:attrNameLst>
+                                      </p:cBhvr>
+                                      <p:to>
+                                        <p:strVal val="visible"/>
+                                      </p:to>
+                                    </p:set>
+                                    <p:animEffect transition="in" filter="wipe(down)">
+                                      <p:cBhvr>
+                                        <p:cTn id="13" dur="10"/>
+                                        <p:tgtEl>
+                                          <p:spTgt spid="28"/>
+                                        </p:tgtEl>
+                                      </p:cBhvr>
+                                    </p:animEffect>
+                                  </p:childTnLst>
+                                </p:cTn>
+                              </p:par>
+                              <p:par>
+                                <p:cTn id="14" presetID="22" presetClass="entr" presetSubtype="4" fill="hold" nodeType="withEffect">
+                                  <p:stCondLst>
+                                    <p:cond delay="0"/>
+                                  </p:stCondLst>
+                                  <p:childTnLst>
+                                    <p:set>
+                                      <p:cBhvr>
+                                        <p:cTn id="15" dur="1" fill="hold">
+                                          <p:stCondLst>
+                                            <p:cond delay="0"/>
+                                          </p:stCondLst>
+                                        </p:cTn>
+                                        <p:tgtEl>
+                                          <p:spTgt spid="30"/>
+                                        </p:tgtEl>
+                                        <p:attrNameLst>
+                                          <p:attrName>style.visibility</p:attrName>
+                                        </p:attrNameLst>
+                                      </p:cBhvr>
+                                      <p:to>
+                                        <p:strVal val="visible"/>
+                                      </p:to>
+                                    </p:set>
+                                    <p:animEffect transition="in" filter="wipe(down)">
+                                      <p:cBhvr>
+                                        <p:cTn id="16" dur="10"/>
+                                        <p:tgtEl>
+                                          <p:spTgt spid="30"/>
+                                        </p:tgtEl>
+                                      </p:cBhvr>
+                                    </p:animEffect>
+                                  </p:childTnLst>
+                                </p:cTn>
+                              </p:par>
+                              <p:par>
+                                <p:cTn id="17" presetID="22" presetClass="entr" presetSubtype="4" fill="hold" nodeType="withEffect">
+                                  <p:stCondLst>
+                                    <p:cond delay="0"/>
+                                  </p:stCondLst>
+                                  <p:childTnLst>
+                                    <p:set>
+                                      <p:cBhvr>
+                                        <p:cTn id="18" dur="1" fill="hold">
+                                          <p:stCondLst>
+                                            <p:cond delay="0"/>
+                                          </p:stCondLst>
+                                        </p:cTn>
+                                        <p:tgtEl>
+                                          <p:spTgt spid="32"/>
+                                        </p:tgtEl>
+                                        <p:attrNameLst>
+                                          <p:attrName>style.visibility</p:attrName>
+                                        </p:attrNameLst>
+                                      </p:cBhvr>
+                                      <p:to>
+                                        <p:strVal val="visible"/>
+                                      </p:to>
+                                    </p:set>
+                                    <p:animEffect transition="in" filter="wipe(down)">
+                                      <p:cBhvr>
+                                        <p:cTn id="19" dur="10"/>
+                                        <p:tgtEl>
+                                          <p:spTgt spid="32"/>
+                                        </p:tgtEl>
+                                      </p:cBhvr>
+                                    </p:animEffect>
+                                  </p:childTnLst>
+                                </p:cTn>
+                              </p:par>
+                              <p:par>
+                                <p:cTn id="20" presetID="22" presetClass="entr" presetSubtype="4" fill="hold" nodeType="withEffect">
+                                  <p:stCondLst>
+                                    <p:cond delay="0"/>
+                                  </p:stCondLst>
+                                  <p:childTnLst>
+                                    <p:set>
+                                      <p:cBhvr>
+                                        <p:cTn id="21" dur="1" fill="hold">
+                                          <p:stCondLst>
+                                            <p:cond delay="0"/>
+                                          </p:stCondLst>
+                                        </p:cTn>
+                                        <p:tgtEl>
+                                          <p:spTgt spid="34"/>
+                                        </p:tgtEl>
+                                        <p:attrNameLst>
+                                          <p:attrName>style.visibility</p:attrName>
+                                        </p:attrNameLst>
+                                      </p:cBhvr>
+                                      <p:to>
+                                        <p:strVal val="visible"/>
+                                      </p:to>
+                                    </p:set>
+                                    <p:animEffect transition="in" filter="wipe(down)">
+                                      <p:cBhvr>
+                                        <p:cTn id="22" dur="10"/>
+                                        <p:tgtEl>
+                                          <p:spTgt spid="34"/>
+                                        </p:tgtEl>
+                                      </p:cBhvr>
+                                    </p:animEffect>
+                                  </p:childTnLst>
+                                </p:cTn>
+                              </p:par>
+                              <p:par>
+                                <p:cTn id="23" presetID="22" presetClass="entr" presetSubtype="4" fill="hold" nodeType="withEffect">
+                                  <p:stCondLst>
+                                    <p:cond delay="0"/>
+                                  </p:stCondLst>
+                                  <p:childTnLst>
+                                    <p:set>
+                                      <p:cBhvr>
+                                        <p:cTn id="24" dur="1" fill="hold">
+                                          <p:stCondLst>
+                                            <p:cond delay="0"/>
+                                          </p:stCondLst>
+                                        </p:cTn>
+                                        <p:tgtEl>
+                                          <p:spTgt spid="36"/>
+                                        </p:tgtEl>
+                                        <p:attrNameLst>
+                                          <p:attrName>style.visibility</p:attrName>
+                                        </p:attrNameLst>
+                                      </p:cBhvr>
+                                      <p:to>
+                                        <p:strVal val="visible"/>
+                                      </p:to>
+                                    </p:set>
+                                    <p:animEffect transition="in" filter="wipe(down)">
+                                      <p:cBhvr>
+                                        <p:cTn id="25" dur="10"/>
+                                        <p:tgtEl>
+                                          <p:spTgt spid="36"/>
+                                        </p:tgtEl>
+                                      </p:cBhvr>
+                                    </p:animEffect>
+                                  </p:childTnLst>
+                                </p:cTn>
+                              </p:par>
+                              <p:par>
+                                <p:cTn id="26" presetID="22" presetClass="entr" presetSubtype="4" fill="hold" nodeType="withEffect">
+                                  <p:stCondLst>
+                                    <p:cond delay="0"/>
+                                  </p:stCondLst>
+                                  <p:childTnLst>
+                                    <p:set>
+                                      <p:cBhvr>
+                                        <p:cTn id="27" dur="1" fill="hold">
+                                          <p:stCondLst>
+                                            <p:cond delay="0"/>
+                                          </p:stCondLst>
+                                        </p:cTn>
+                                        <p:tgtEl>
+                                          <p:spTgt spid="38"/>
+                                        </p:tgtEl>
+                                        <p:attrNameLst>
+                                          <p:attrName>style.visibility</p:attrName>
+                                        </p:attrNameLst>
+                                      </p:cBhvr>
+                                      <p:to>
+                                        <p:strVal val="visible"/>
+                                      </p:to>
+                                    </p:set>
+                                    <p:animEffect transition="in" filter="wipe(down)">
+                                      <p:cBhvr>
+                                        <p:cTn id="28" dur="10"/>
+                                        <p:tgtEl>
+                                          <p:spTgt spid="38"/>
+                                        </p:tgtEl>
+                                      </p:cBhvr>
+                                    </p:animEffect>
+                                  </p:childTnLst>
+                                </p:cTn>
+                              </p:par>
+                              <p:par>
+                                <p:cTn id="29" presetID="22" presetClass="entr" presetSubtype="4" fill="hold" nodeType="withEffect">
+                                  <p:stCondLst>
+                                    <p:cond delay="0"/>
+                                  </p:stCondLst>
+                                  <p:childTnLst>
+                                    <p:set>
+                                      <p:cBhvr>
+                                        <p:cTn id="30" dur="1" fill="hold">
+                                          <p:stCondLst>
+                                            <p:cond delay="0"/>
+                                          </p:stCondLst>
+                                        </p:cTn>
+                                        <p:tgtEl>
+                                          <p:spTgt spid="20"/>
+                                        </p:tgtEl>
+                                        <p:attrNameLst>
+                                          <p:attrName>style.visibility</p:attrName>
+                                        </p:attrNameLst>
+                                      </p:cBhvr>
+                                      <p:to>
+                                        <p:strVal val="visible"/>
+                                      </p:to>
+                                    </p:set>
+                                    <p:animEffect transition="in" filter="wipe(down)">
+                                      <p:cBhvr>
+                                        <p:cTn id="31" dur="10"/>
+                                        <p:tgtEl>
+                                          <p:spTgt spid="20"/>
+                                        </p:tgtEl>
+                                      </p:cBhvr>
+                                    </p:animEffect>
+                                  </p:childTnLst>
+                                </p:cTn>
+                              </p:par>
+                              <p:par>
+                                <p:cTn id="32" presetID="22" presetClass="entr" presetSubtype="4" fill="hold" nodeType="withEffect">
+                                  <p:stCondLst>
+                                    <p:cond delay="0"/>
+                                  </p:stCondLst>
+                                  <p:childTnLst>
+                                    <p:set>
+                                      <p:cBhvr>
+                                        <p:cTn id="33" dur="1" fill="hold">
+                                          <p:stCondLst>
+                                            <p:cond delay="0"/>
+                                          </p:stCondLst>
+                                        </p:cTn>
+                                        <p:tgtEl>
+                                          <p:spTgt spid="22"/>
+                                        </p:tgtEl>
+                                        <p:attrNameLst>
+                                          <p:attrName>style.visibility</p:attrName>
+                                        </p:attrNameLst>
+                                      </p:cBhvr>
+                                      <p:to>
+                                        <p:strVal val="visible"/>
+                                      </p:to>
+                                    </p:set>
+                                    <p:animEffect transition="in" filter="wipe(down)">
+                                      <p:cBhvr>
+                                        <p:cTn id="34" dur="10"/>
+                                        <p:tgtEl>
+                                          <p:spTgt spid="22"/>
+                                        </p:tgtEl>
+                                      </p:cBhvr>
+                                    </p:animEffect>
+                                  </p:childTnLst>
+                                </p:cTn>
+                              </p:par>
+                              <p:par>
+                                <p:cTn id="35" presetID="22" presetClass="entr" presetSubtype="4" fill="hold" nodeType="withEffect">
+                                  <p:stCondLst>
+                                    <p:cond delay="0"/>
+                                  </p:stCondLst>
+                                  <p:childTnLst>
+                                    <p:set>
+                                      <p:cBhvr>
+                                        <p:cTn id="36" dur="1" fill="hold">
+                                          <p:stCondLst>
+                                            <p:cond delay="0"/>
+                                          </p:stCondLst>
+                                        </p:cTn>
+                                        <p:tgtEl>
+                                          <p:spTgt spid="42"/>
+                                        </p:tgtEl>
+                                        <p:attrNameLst>
+                                          <p:attrName>style.visibility</p:attrName>
+                                        </p:attrNameLst>
+                                      </p:cBhvr>
+                                      <p:to>
+                                        <p:strVal val="visible"/>
+                                      </p:to>
+                                    </p:set>
+                                    <p:animEffect transition="in" filter="wipe(down)">
+                                      <p:cBhvr>
+                                        <p:cTn id="37" dur="10"/>
+                                        <p:tgtEl>
+                                          <p:spTgt spid="42"/>
+                                        </p:tgtEl>
+                                      </p:cBhvr>
+                                    </p:animEffect>
+                                  </p:childTnLst>
+                                </p:cTn>
+                              </p:par>
+                              <p:par>
+                                <p:cTn id="38" presetID="22" presetClass="entr" presetSubtype="4" fill="hold" nodeType="withEffect">
+                                  <p:stCondLst>
+                                    <p:cond delay="0"/>
+                                  </p:stCondLst>
+                                  <p:childTnLst>
+                                    <p:set>
+                                      <p:cBhvr>
+                                        <p:cTn id="39" dur="1" fill="hold">
+                                          <p:stCondLst>
+                                            <p:cond delay="0"/>
+                                          </p:stCondLst>
+                                        </p:cTn>
+                                        <p:tgtEl>
+                                          <p:spTgt spid="40"/>
+                                        </p:tgtEl>
+                                        <p:attrNameLst>
+                                          <p:attrName>style.visibility</p:attrName>
+                                        </p:attrNameLst>
+                                      </p:cBhvr>
+                                      <p:to>
+                                        <p:strVal val="visible"/>
+                                      </p:to>
+                                    </p:set>
+                                    <p:animEffect transition="in" filter="wipe(down)">
+                                      <p:cBhvr>
+                                        <p:cTn id="40" dur="10"/>
+                                        <p:tgtEl>
+                                          <p:spTgt spid="40"/>
+                                        </p:tgtEl>
+                                      </p:cBhvr>
+                                    </p:animEffect>
+                                  </p:childTnLst>
+                                </p:cTn>
+                              </p:par>
+                            </p:childTnLst>
+                          </p:cTn>
+                        </p:par>
+                      </p:childTnLst>
+                    </p:cTn>
+                  </p:par>
+                </p:childTnLst>
+              </p:cTn>
+              <p:prevCondLst>
+                <p:cond evt="onPrev" delay="0">
+                  <p:tgtEl>
+                    <p:sldTgt/>
+                  </p:tgtEl>
+                </p:cond>
+              </p:prevCondLst>
+              <p:nextCondLst>
+                <p:cond evt="onNext" delay="0">
+                  <p:tgtEl>
+                    <p:sldTgt/>
+                  </p:tgtEl>
+                </p:cond>
+              </p:nextCondLst>
+            </p:seq>
+          </p:childTnLst>
+        </p:cTn>
+      </p:par>
+    </p:tnLst>
+  </p:timing>
 </p:sld>
 </file>
 
@@ -6040,54 +9347,76 @@
       </p:grpSpPr>
       <p:sp>
         <p:nvSpPr>
-          <p:cNvPr id="4" name="Textfeld 3">
+          <p:cNvPr id="2" name="Titel 1">
             <a:extLst>
               <a:ext uri="{FF2B5EF4-FFF2-40B4-BE49-F238E27FC236}">
-                <a16:creationId xmlns:a16="http://schemas.microsoft.com/office/drawing/2014/main" id="{103940C7-128B-48FA-9E24-1920CD2B3D30}"/>
+                <a16:creationId xmlns:a16="http://schemas.microsoft.com/office/drawing/2014/main" id="{82D1049E-AFE2-4D08-8ABD-5DAB655878A2}"/>
               </a:ext>
             </a:extLst>
           </p:cNvPr>
-          <p:cNvSpPr txBox="1"/>
-          <p:nvPr/>
-        </p:nvSpPr>
-        <p:spPr>
-          <a:xfrm flipH="1">
-            <a:off x="2491739" y="2644170"/>
-            <a:ext cx="7208521" cy="1569660"/>
-          </a:xfrm>
-          <a:prstGeom prst="rect">
-            <a:avLst/>
-          </a:prstGeom>
-          <a:noFill/>
-        </p:spPr>
-        <p:txBody>
-          <a:bodyPr wrap="square" rtlCol="0">
-            <a:spAutoFit/>
-          </a:bodyPr>
+          <p:cNvSpPr>
+            <a:spLocks noGrp="1"/>
+          </p:cNvSpPr>
+          <p:nvPr>
+            <p:ph type="title"/>
+          </p:nvPr>
+        </p:nvSpPr>
+        <p:spPr/>
+        <p:txBody>
+          <a:bodyPr/>
           <a:lstStyle/>
           <a:p>
-            <a:pPr algn="ctr"/>
-            <a:r>
-              <a:rPr lang="de-DE" sz="3200" dirty="0"/>
-              <a:t>Vielen Dank für eure Aufmerksamkeit!</a:t>
-            </a:r>
-          </a:p>
-          <a:p>
-            <a:pPr algn="ctr"/>
-            <a:r>
-              <a:rPr lang="de-DE" sz="3200" dirty="0">
-                <a:sym typeface="Wingdings" panose="05000000000000000000" pitchFamily="2" charset="2"/>
-              </a:rPr>
-              <a:t></a:t>
-            </a:r>
-            <a:endParaRPr lang="de-DE" sz="3200" dirty="0"/>
+            <a:r>
+              <a:rPr lang="de-DE" dirty="0"/>
+              <a:t>PERT - Anwendungsgebiete</a:t>
+            </a:r>
+          </a:p>
+        </p:txBody>
+      </p:sp>
+      <p:sp>
+        <p:nvSpPr>
+          <p:cNvPr id="3" name="Inhaltsplatzhalter 2">
+            <a:extLst>
+              <a:ext uri="{FF2B5EF4-FFF2-40B4-BE49-F238E27FC236}">
+                <a16:creationId xmlns:a16="http://schemas.microsoft.com/office/drawing/2014/main" id="{C87132ED-0186-42CE-8A02-CD1C0FC4283A}"/>
+              </a:ext>
+            </a:extLst>
+          </p:cNvPr>
+          <p:cNvSpPr>
+            <a:spLocks noGrp="1"/>
+          </p:cNvSpPr>
+          <p:nvPr>
+            <p:ph idx="1"/>
+          </p:nvPr>
+        </p:nvSpPr>
+        <p:spPr/>
+        <p:txBody>
+          <a:bodyPr/>
+          <a:lstStyle/>
+          <a:p>
+            <a:r>
+              <a:rPr lang="de-DE" dirty="0"/>
+              <a:t>Große, komplexe Projekte</a:t>
+            </a:r>
+          </a:p>
+          <a:p>
+            <a:r>
+              <a:rPr lang="de-DE" dirty="0"/>
+              <a:t>Einmalige / nicht-routine Projekte</a:t>
+            </a:r>
+          </a:p>
+          <a:p>
+            <a:r>
+              <a:rPr lang="de-DE" dirty="0"/>
+              <a:t>Forschung und Entwicklung</a:t>
+            </a:r>
           </a:p>
         </p:txBody>
       </p:sp>
     </p:spTree>
     <p:extLst>
       <p:ext uri="{BB962C8B-B14F-4D97-AF65-F5344CB8AC3E}">
-        <p14:creationId xmlns:p14="http://schemas.microsoft.com/office/powerpoint/2010/main" val="4152995364"/>
+        <p14:creationId xmlns:p14="http://schemas.microsoft.com/office/powerpoint/2010/main" val="4241409963"/>
       </p:ext>
     </p:extLst>
   </p:cSld>
@@ -6119,7 +9448,7 @@
           <p:cNvPr id="2" name="Titel 1">
             <a:extLst>
               <a:ext uri="{FF2B5EF4-FFF2-40B4-BE49-F238E27FC236}">
-                <a16:creationId xmlns:a16="http://schemas.microsoft.com/office/drawing/2014/main" id="{0580DBB1-647D-414F-A3C7-59678F8413F5}"/>
+                <a16:creationId xmlns:a16="http://schemas.microsoft.com/office/drawing/2014/main" id="{DEE0337F-C2DD-4F79-8DE4-58A404DD8689}"/>
               </a:ext>
             </a:extLst>
           </p:cNvPr>
@@ -6135,10 +9464,9 @@
           <a:bodyPr/>
           <a:lstStyle/>
           <a:p>
-            <a:pPr algn="ctr"/>
             <a:r>
               <a:rPr lang="de-DE" dirty="0"/>
-              <a:t>Literaturverzeichnis</a:t>
+              <a:t>PERT – Vor-/Nachteile</a:t>
             </a:r>
           </a:p>
         </p:txBody>
@@ -6148,7 +9476,7 @@
           <p:cNvPr id="3" name="Inhaltsplatzhalter 2">
             <a:extLst>
               <a:ext uri="{FF2B5EF4-FFF2-40B4-BE49-F238E27FC236}">
-                <a16:creationId xmlns:a16="http://schemas.microsoft.com/office/drawing/2014/main" id="{0985FC88-9436-44E7-B69E-9C4427DAB7F8}"/>
+                <a16:creationId xmlns:a16="http://schemas.microsoft.com/office/drawing/2014/main" id="{4F4F524A-DB81-4070-92C5-A03F02112D0F}"/>
               </a:ext>
             </a:extLst>
           </p:cNvPr>
@@ -6159,19 +9487,244 @@
             <p:ph idx="1"/>
           </p:nvPr>
         </p:nvSpPr>
-        <p:spPr/>
+        <p:spPr>
+          <a:xfrm>
+            <a:off x="838200" y="1825625"/>
+            <a:ext cx="4930302" cy="4351338"/>
+          </a:xfrm>
+        </p:spPr>
         <p:txBody>
           <a:bodyPr/>
           <a:lstStyle/>
           <a:p>
-            <a:endParaRPr lang="de-DE"/>
+            <a:pPr marL="0" indent="0">
+              <a:buNone/>
+            </a:pPr>
+            <a:r>
+              <a:rPr lang="de-DE" dirty="0"/>
+              <a:t>Vorteile</a:t>
+            </a:r>
+          </a:p>
+          <a:p>
+            <a:r>
+              <a:rPr lang="de-DE" dirty="0"/>
+              <a:t>toll</a:t>
+            </a:r>
+          </a:p>
+        </p:txBody>
+      </p:sp>
+      <p:sp>
+        <p:nvSpPr>
+          <p:cNvPr id="4" name="Inhaltsplatzhalter 2">
+            <a:extLst>
+              <a:ext uri="{FF2B5EF4-FFF2-40B4-BE49-F238E27FC236}">
+                <a16:creationId xmlns:a16="http://schemas.microsoft.com/office/drawing/2014/main" id="{D31ED09C-4266-4D42-B6B0-E6A891089A42}"/>
+              </a:ext>
+            </a:extLst>
+          </p:cNvPr>
+          <p:cNvSpPr txBox="1">
+            <a:spLocks/>
+          </p:cNvSpPr>
+          <p:nvPr/>
+        </p:nvSpPr>
+        <p:spPr>
+          <a:xfrm>
+            <a:off x="6423498" y="1825625"/>
+            <a:ext cx="4930302" cy="4351338"/>
+          </a:xfrm>
+          <a:prstGeom prst="rect">
+            <a:avLst/>
+          </a:prstGeom>
+        </p:spPr>
+        <p:txBody>
+          <a:bodyPr vert="horz" lIns="91440" tIns="45720" rIns="91440" bIns="45720" rtlCol="0">
+            <a:normAutofit/>
+          </a:bodyPr>
+          <a:lstStyle>
+            <a:lvl1pPr marL="228600" indent="-228600" algn="l" defTabSz="914400" rtl="0" eaLnBrk="1" latinLnBrk="0" hangingPunct="1">
+              <a:lnSpc>
+                <a:spcPct val="90000"/>
+              </a:lnSpc>
+              <a:spcBef>
+                <a:spcPts val="1000"/>
+              </a:spcBef>
+              <a:buFont typeface="Arial" panose="020B0604020202020204" pitchFamily="34" charset="0"/>
+              <a:buChar char="•"/>
+              <a:defRPr sz="2800" kern="1200">
+                <a:solidFill>
+                  <a:schemeClr val="tx1"/>
+                </a:solidFill>
+                <a:latin typeface="+mn-lt"/>
+                <a:ea typeface="+mn-ea"/>
+                <a:cs typeface="+mn-cs"/>
+              </a:defRPr>
+            </a:lvl1pPr>
+            <a:lvl2pPr marL="685800" indent="-228600" algn="l" defTabSz="914400" rtl="0" eaLnBrk="1" latinLnBrk="0" hangingPunct="1">
+              <a:lnSpc>
+                <a:spcPct val="90000"/>
+              </a:lnSpc>
+              <a:spcBef>
+                <a:spcPts val="500"/>
+              </a:spcBef>
+              <a:buFont typeface="Arial" panose="020B0604020202020204" pitchFamily="34" charset="0"/>
+              <a:buChar char="•"/>
+              <a:defRPr sz="2400" kern="1200">
+                <a:solidFill>
+                  <a:schemeClr val="tx1"/>
+                </a:solidFill>
+                <a:latin typeface="+mn-lt"/>
+                <a:ea typeface="+mn-ea"/>
+                <a:cs typeface="+mn-cs"/>
+              </a:defRPr>
+            </a:lvl2pPr>
+            <a:lvl3pPr marL="1143000" indent="-228600" algn="l" defTabSz="914400" rtl="0" eaLnBrk="1" latinLnBrk="0" hangingPunct="1">
+              <a:lnSpc>
+                <a:spcPct val="90000"/>
+              </a:lnSpc>
+              <a:spcBef>
+                <a:spcPts val="500"/>
+              </a:spcBef>
+              <a:buFont typeface="Arial" panose="020B0604020202020204" pitchFamily="34" charset="0"/>
+              <a:buChar char="•"/>
+              <a:defRPr sz="2000" kern="1200">
+                <a:solidFill>
+                  <a:schemeClr val="tx1"/>
+                </a:solidFill>
+                <a:latin typeface="+mn-lt"/>
+                <a:ea typeface="+mn-ea"/>
+                <a:cs typeface="+mn-cs"/>
+              </a:defRPr>
+            </a:lvl3pPr>
+            <a:lvl4pPr marL="1600200" indent="-228600" algn="l" defTabSz="914400" rtl="0" eaLnBrk="1" latinLnBrk="0" hangingPunct="1">
+              <a:lnSpc>
+                <a:spcPct val="90000"/>
+              </a:lnSpc>
+              <a:spcBef>
+                <a:spcPts val="500"/>
+              </a:spcBef>
+              <a:buFont typeface="Arial" panose="020B0604020202020204" pitchFamily="34" charset="0"/>
+              <a:buChar char="•"/>
+              <a:defRPr sz="1800" kern="1200">
+                <a:solidFill>
+                  <a:schemeClr val="tx1"/>
+                </a:solidFill>
+                <a:latin typeface="+mn-lt"/>
+                <a:ea typeface="+mn-ea"/>
+                <a:cs typeface="+mn-cs"/>
+              </a:defRPr>
+            </a:lvl4pPr>
+            <a:lvl5pPr marL="2057400" indent="-228600" algn="l" defTabSz="914400" rtl="0" eaLnBrk="1" latinLnBrk="0" hangingPunct="1">
+              <a:lnSpc>
+                <a:spcPct val="90000"/>
+              </a:lnSpc>
+              <a:spcBef>
+                <a:spcPts val="500"/>
+              </a:spcBef>
+              <a:buFont typeface="Arial" panose="020B0604020202020204" pitchFamily="34" charset="0"/>
+              <a:buChar char="•"/>
+              <a:defRPr sz="1800" kern="1200">
+                <a:solidFill>
+                  <a:schemeClr val="tx1"/>
+                </a:solidFill>
+                <a:latin typeface="+mn-lt"/>
+                <a:ea typeface="+mn-ea"/>
+                <a:cs typeface="+mn-cs"/>
+              </a:defRPr>
+            </a:lvl5pPr>
+            <a:lvl6pPr marL="2514600" indent="-228600" algn="l" defTabSz="914400" rtl="0" eaLnBrk="1" latinLnBrk="0" hangingPunct="1">
+              <a:lnSpc>
+                <a:spcPct val="90000"/>
+              </a:lnSpc>
+              <a:spcBef>
+                <a:spcPts val="500"/>
+              </a:spcBef>
+              <a:buFont typeface="Arial" panose="020B0604020202020204" pitchFamily="34" charset="0"/>
+              <a:buChar char="•"/>
+              <a:defRPr sz="1800" kern="1200">
+                <a:solidFill>
+                  <a:schemeClr val="tx1"/>
+                </a:solidFill>
+                <a:latin typeface="+mn-lt"/>
+                <a:ea typeface="+mn-ea"/>
+                <a:cs typeface="+mn-cs"/>
+              </a:defRPr>
+            </a:lvl6pPr>
+            <a:lvl7pPr marL="2971800" indent="-228600" algn="l" defTabSz="914400" rtl="0" eaLnBrk="1" latinLnBrk="0" hangingPunct="1">
+              <a:lnSpc>
+                <a:spcPct val="90000"/>
+              </a:lnSpc>
+              <a:spcBef>
+                <a:spcPts val="500"/>
+              </a:spcBef>
+              <a:buFont typeface="Arial" panose="020B0604020202020204" pitchFamily="34" charset="0"/>
+              <a:buChar char="•"/>
+              <a:defRPr sz="1800" kern="1200">
+                <a:solidFill>
+                  <a:schemeClr val="tx1"/>
+                </a:solidFill>
+                <a:latin typeface="+mn-lt"/>
+                <a:ea typeface="+mn-ea"/>
+                <a:cs typeface="+mn-cs"/>
+              </a:defRPr>
+            </a:lvl7pPr>
+            <a:lvl8pPr marL="3429000" indent="-228600" algn="l" defTabSz="914400" rtl="0" eaLnBrk="1" latinLnBrk="0" hangingPunct="1">
+              <a:lnSpc>
+                <a:spcPct val="90000"/>
+              </a:lnSpc>
+              <a:spcBef>
+                <a:spcPts val="500"/>
+              </a:spcBef>
+              <a:buFont typeface="Arial" panose="020B0604020202020204" pitchFamily="34" charset="0"/>
+              <a:buChar char="•"/>
+              <a:defRPr sz="1800" kern="1200">
+                <a:solidFill>
+                  <a:schemeClr val="tx1"/>
+                </a:solidFill>
+                <a:latin typeface="+mn-lt"/>
+                <a:ea typeface="+mn-ea"/>
+                <a:cs typeface="+mn-cs"/>
+              </a:defRPr>
+            </a:lvl8pPr>
+            <a:lvl9pPr marL="3886200" indent="-228600" algn="l" defTabSz="914400" rtl="0" eaLnBrk="1" latinLnBrk="0" hangingPunct="1">
+              <a:lnSpc>
+                <a:spcPct val="90000"/>
+              </a:lnSpc>
+              <a:spcBef>
+                <a:spcPts val="500"/>
+              </a:spcBef>
+              <a:buFont typeface="Arial" panose="020B0604020202020204" pitchFamily="34" charset="0"/>
+              <a:buChar char="•"/>
+              <a:defRPr sz="1800" kern="1200">
+                <a:solidFill>
+                  <a:schemeClr val="tx1"/>
+                </a:solidFill>
+                <a:latin typeface="+mn-lt"/>
+                <a:ea typeface="+mn-ea"/>
+                <a:cs typeface="+mn-cs"/>
+              </a:defRPr>
+            </a:lvl9pPr>
+          </a:lstStyle>
+          <a:p>
+            <a:pPr marL="0" indent="0">
+              <a:buNone/>
+            </a:pPr>
+            <a:r>
+              <a:rPr lang="de-DE" dirty="0"/>
+              <a:t>Nachteile</a:t>
+            </a:r>
+          </a:p>
+          <a:p>
+            <a:r>
+              <a:rPr lang="de-DE" dirty="0"/>
+              <a:t>Erstellung erfordert hohen Zeit- und Arbeitsaufwand</a:t>
+            </a:r>
           </a:p>
         </p:txBody>
       </p:sp>
     </p:spTree>
     <p:extLst>
       <p:ext uri="{BB962C8B-B14F-4D97-AF65-F5344CB8AC3E}">
-        <p14:creationId xmlns:p14="http://schemas.microsoft.com/office/powerpoint/2010/main" val="1527458650"/>
+        <p14:creationId xmlns:p14="http://schemas.microsoft.com/office/powerpoint/2010/main" val="1473995233"/>
       </p:ext>
     </p:extLst>
   </p:cSld>
@@ -6203,6 +9756,498 @@
           <p:cNvPr id="2" name="Titel 1">
             <a:extLst>
               <a:ext uri="{FF2B5EF4-FFF2-40B4-BE49-F238E27FC236}">
+                <a16:creationId xmlns:a16="http://schemas.microsoft.com/office/drawing/2014/main" id="{418E86E0-BFFD-4BE2-A8D1-4AF67F747C9B}"/>
+              </a:ext>
+            </a:extLst>
+          </p:cNvPr>
+          <p:cNvSpPr>
+            <a:spLocks noGrp="1"/>
+          </p:cNvSpPr>
+          <p:nvPr>
+            <p:ph type="title"/>
+          </p:nvPr>
+        </p:nvSpPr>
+        <p:spPr/>
+        <p:txBody>
+          <a:bodyPr/>
+          <a:lstStyle/>
+          <a:p>
+            <a:pPr algn="ctr"/>
+            <a:r>
+              <a:rPr lang="de-DE" dirty="0"/>
+              <a:t>PERT - Beispiele</a:t>
+            </a:r>
+          </a:p>
+        </p:txBody>
+      </p:sp>
+      <p:sp>
+        <p:nvSpPr>
+          <p:cNvPr id="3" name="Inhaltsplatzhalter 2">
+            <a:extLst>
+              <a:ext uri="{FF2B5EF4-FFF2-40B4-BE49-F238E27FC236}">
+                <a16:creationId xmlns:a16="http://schemas.microsoft.com/office/drawing/2014/main" id="{C7585DBD-B811-4A4C-AB6D-E75156A0037B}"/>
+              </a:ext>
+            </a:extLst>
+          </p:cNvPr>
+          <p:cNvSpPr>
+            <a:spLocks noGrp="1"/>
+          </p:cNvSpPr>
+          <p:nvPr>
+            <p:ph idx="1"/>
+          </p:nvPr>
+        </p:nvSpPr>
+        <p:spPr/>
+        <p:txBody>
+          <a:bodyPr/>
+          <a:lstStyle/>
+          <a:p>
+            <a:endParaRPr lang="de-DE"/>
+          </a:p>
+        </p:txBody>
+      </p:sp>
+    </p:spTree>
+    <p:extLst>
+      <p:ext uri="{BB962C8B-B14F-4D97-AF65-F5344CB8AC3E}">
+        <p14:creationId xmlns:p14="http://schemas.microsoft.com/office/powerpoint/2010/main" val="3355685490"/>
+      </p:ext>
+    </p:extLst>
+  </p:cSld>
+  <p:clrMapOvr>
+    <a:masterClrMapping/>
+  </p:clrMapOvr>
+</p:sld>
+</file>
+
+<file path=ppt/slides/slide15.xml><?xml version="1.0" encoding="utf-8"?>
+<p:sld xmlns:a="http://schemas.openxmlformats.org/drawingml/2006/main" xmlns:r="http://schemas.openxmlformats.org/officeDocument/2006/relationships" xmlns:p="http://schemas.openxmlformats.org/presentationml/2006/main">
+  <p:cSld>
+    <p:spTree>
+      <p:nvGrpSpPr>
+        <p:cNvPr id="1" name=""/>
+        <p:cNvGrpSpPr/>
+        <p:nvPr/>
+      </p:nvGrpSpPr>
+      <p:grpSpPr>
+        <a:xfrm>
+          <a:off x="0" y="0"/>
+          <a:ext cx="0" cy="0"/>
+          <a:chOff x="0" y="0"/>
+          <a:chExt cx="0" cy="0"/>
+        </a:xfrm>
+      </p:grpSpPr>
+      <p:sp>
+        <p:nvSpPr>
+          <p:cNvPr id="2" name="Titel 1">
+            <a:extLst>
+              <a:ext uri="{FF2B5EF4-FFF2-40B4-BE49-F238E27FC236}">
+                <a16:creationId xmlns:a16="http://schemas.microsoft.com/office/drawing/2014/main" id="{ECBAF7B1-E23F-48B9-BA51-9A02452902DD}"/>
+              </a:ext>
+            </a:extLst>
+          </p:cNvPr>
+          <p:cNvSpPr>
+            <a:spLocks noGrp="1"/>
+          </p:cNvSpPr>
+          <p:nvPr>
+            <p:ph type="title"/>
+          </p:nvPr>
+        </p:nvSpPr>
+        <p:spPr/>
+        <p:txBody>
+          <a:bodyPr/>
+          <a:lstStyle/>
+          <a:p>
+            <a:pPr algn="ctr"/>
+            <a:r>
+              <a:rPr lang="de-DE" dirty="0"/>
+              <a:t>Fazit &amp; Wahl der Schätzmethode</a:t>
+            </a:r>
+          </a:p>
+        </p:txBody>
+      </p:sp>
+      <p:sp>
+        <p:nvSpPr>
+          <p:cNvPr id="3" name="Inhaltsplatzhalter 2">
+            <a:extLst>
+              <a:ext uri="{FF2B5EF4-FFF2-40B4-BE49-F238E27FC236}">
+                <a16:creationId xmlns:a16="http://schemas.microsoft.com/office/drawing/2014/main" id="{93567E31-E6DA-41BF-98A3-F6DF118F7F86}"/>
+              </a:ext>
+            </a:extLst>
+          </p:cNvPr>
+          <p:cNvSpPr>
+            <a:spLocks noGrp="1"/>
+          </p:cNvSpPr>
+          <p:nvPr>
+            <p:ph idx="1"/>
+          </p:nvPr>
+        </p:nvSpPr>
+        <p:spPr/>
+        <p:txBody>
+          <a:bodyPr/>
+          <a:lstStyle/>
+          <a:p>
+            <a:endParaRPr lang="de-DE"/>
+          </a:p>
+        </p:txBody>
+      </p:sp>
+    </p:spTree>
+    <p:extLst>
+      <p:ext uri="{BB962C8B-B14F-4D97-AF65-F5344CB8AC3E}">
+        <p14:creationId xmlns:p14="http://schemas.microsoft.com/office/powerpoint/2010/main" val="975627160"/>
+      </p:ext>
+    </p:extLst>
+  </p:cSld>
+  <p:clrMapOvr>
+    <a:masterClrMapping/>
+  </p:clrMapOvr>
+</p:sld>
+</file>
+
+<file path=ppt/slides/slide16.xml><?xml version="1.0" encoding="utf-8"?>
+<p:sld xmlns:a="http://schemas.openxmlformats.org/drawingml/2006/main" xmlns:r="http://schemas.openxmlformats.org/officeDocument/2006/relationships" xmlns:p="http://schemas.openxmlformats.org/presentationml/2006/main">
+  <p:cSld>
+    <p:spTree>
+      <p:nvGrpSpPr>
+        <p:cNvPr id="1" name=""/>
+        <p:cNvGrpSpPr/>
+        <p:nvPr/>
+      </p:nvGrpSpPr>
+      <p:grpSpPr>
+        <a:xfrm>
+          <a:off x="0" y="0"/>
+          <a:ext cx="0" cy="0"/>
+          <a:chOff x="0" y="0"/>
+          <a:chExt cx="0" cy="0"/>
+        </a:xfrm>
+      </p:grpSpPr>
+      <p:sp>
+        <p:nvSpPr>
+          <p:cNvPr id="4" name="Textfeld 3">
+            <a:extLst>
+              <a:ext uri="{FF2B5EF4-FFF2-40B4-BE49-F238E27FC236}">
+                <a16:creationId xmlns:a16="http://schemas.microsoft.com/office/drawing/2014/main" id="{103940C7-128B-48FA-9E24-1920CD2B3D30}"/>
+              </a:ext>
+            </a:extLst>
+          </p:cNvPr>
+          <p:cNvSpPr txBox="1"/>
+          <p:nvPr/>
+        </p:nvSpPr>
+        <p:spPr>
+          <a:xfrm flipH="1">
+            <a:off x="2491739" y="2644170"/>
+            <a:ext cx="7208521" cy="1569660"/>
+          </a:xfrm>
+          <a:prstGeom prst="rect">
+            <a:avLst/>
+          </a:prstGeom>
+          <a:noFill/>
+        </p:spPr>
+        <p:txBody>
+          <a:bodyPr wrap="square" rtlCol="0">
+            <a:spAutoFit/>
+          </a:bodyPr>
+          <a:lstStyle/>
+          <a:p>
+            <a:pPr algn="ctr"/>
+            <a:r>
+              <a:rPr lang="de-DE" sz="3200" dirty="0"/>
+              <a:t>Vielen Dank für eure Aufmerksamkeit!</a:t>
+            </a:r>
+          </a:p>
+          <a:p>
+            <a:pPr algn="ctr"/>
+            <a:r>
+              <a:rPr lang="de-DE" sz="3200" dirty="0">
+                <a:sym typeface="Wingdings" panose="05000000000000000000" pitchFamily="2" charset="2"/>
+              </a:rPr>
+              <a:t></a:t>
+            </a:r>
+            <a:endParaRPr lang="de-DE" sz="3200" dirty="0"/>
+          </a:p>
+        </p:txBody>
+      </p:sp>
+    </p:spTree>
+    <p:extLst>
+      <p:ext uri="{BB962C8B-B14F-4D97-AF65-F5344CB8AC3E}">
+        <p14:creationId xmlns:p14="http://schemas.microsoft.com/office/powerpoint/2010/main" val="4152995364"/>
+      </p:ext>
+    </p:extLst>
+  </p:cSld>
+  <p:clrMapOvr>
+    <a:masterClrMapping/>
+  </p:clrMapOvr>
+</p:sld>
+</file>
+
+<file path=ppt/slides/slide17.xml><?xml version="1.0" encoding="utf-8"?>
+<p:sld xmlns:a="http://schemas.openxmlformats.org/drawingml/2006/main" xmlns:r="http://schemas.openxmlformats.org/officeDocument/2006/relationships" xmlns:p="http://schemas.openxmlformats.org/presentationml/2006/main">
+  <p:cSld>
+    <p:spTree>
+      <p:nvGrpSpPr>
+        <p:cNvPr id="1" name=""/>
+        <p:cNvGrpSpPr/>
+        <p:nvPr/>
+      </p:nvGrpSpPr>
+      <p:grpSpPr>
+        <a:xfrm>
+          <a:off x="0" y="0"/>
+          <a:ext cx="0" cy="0"/>
+          <a:chOff x="0" y="0"/>
+          <a:chExt cx="0" cy="0"/>
+        </a:xfrm>
+      </p:grpSpPr>
+      <p:sp>
+        <p:nvSpPr>
+          <p:cNvPr id="2" name="Titel 1">
+            <a:extLst>
+              <a:ext uri="{FF2B5EF4-FFF2-40B4-BE49-F238E27FC236}">
+                <a16:creationId xmlns:a16="http://schemas.microsoft.com/office/drawing/2014/main" id="{0580DBB1-647D-414F-A3C7-59678F8413F5}"/>
+              </a:ext>
+            </a:extLst>
+          </p:cNvPr>
+          <p:cNvSpPr>
+            <a:spLocks noGrp="1"/>
+          </p:cNvSpPr>
+          <p:nvPr>
+            <p:ph type="title"/>
+          </p:nvPr>
+        </p:nvSpPr>
+        <p:spPr/>
+        <p:txBody>
+          <a:bodyPr/>
+          <a:lstStyle/>
+          <a:p>
+            <a:pPr algn="ctr"/>
+            <a:r>
+              <a:rPr lang="de-DE" dirty="0"/>
+              <a:t>Literaturverzeichnis</a:t>
+            </a:r>
+          </a:p>
+        </p:txBody>
+      </p:sp>
+      <p:sp>
+        <p:nvSpPr>
+          <p:cNvPr id="3" name="Inhaltsplatzhalter 2">
+            <a:extLst>
+              <a:ext uri="{FF2B5EF4-FFF2-40B4-BE49-F238E27FC236}">
+                <a16:creationId xmlns:a16="http://schemas.microsoft.com/office/drawing/2014/main" id="{0985FC88-9436-44E7-B69E-9C4427DAB7F8}"/>
+              </a:ext>
+            </a:extLst>
+          </p:cNvPr>
+          <p:cNvSpPr>
+            <a:spLocks noGrp="1"/>
+          </p:cNvSpPr>
+          <p:nvPr>
+            <p:ph idx="1"/>
+          </p:nvPr>
+        </p:nvSpPr>
+        <p:spPr/>
+        <p:txBody>
+          <a:bodyPr/>
+          <a:lstStyle/>
+          <a:p>
+            <a:pPr algn="l">
+              <a:spcBef>
+                <a:spcPts val="0"/>
+              </a:spcBef>
+              <a:spcAft>
+                <a:spcPts val="0"/>
+              </a:spcAft>
+            </a:pPr>
+            <a:r>
+              <a:rPr lang="en-US" sz="1800" b="0" i="0" dirty="0">
+                <a:solidFill>
+                  <a:schemeClr val="tx1"/>
+                </a:solidFill>
+                <a:effectLst/>
+              </a:rPr>
+              <a:t>A Systems Approach to Planning, Scheduling, and Controlling</a:t>
+            </a:r>
+          </a:p>
+          <a:p>
+            <a:pPr marL="0" indent="0" algn="l">
+              <a:spcBef>
+                <a:spcPts val="0"/>
+              </a:spcBef>
+              <a:spcAft>
+                <a:spcPts val="0"/>
+              </a:spcAft>
+              <a:buNone/>
+            </a:pPr>
+            <a:r>
+              <a:rPr lang="en-US" sz="1800" dirty="0">
+                <a:solidFill>
+                  <a:schemeClr val="tx1"/>
+                </a:solidFill>
+              </a:rPr>
+              <a:t>Autor: Harold R. Kerzner</a:t>
+            </a:r>
+          </a:p>
+          <a:p>
+            <a:pPr marL="0" indent="0" algn="l">
+              <a:spcBef>
+                <a:spcPts val="0"/>
+              </a:spcBef>
+              <a:spcAft>
+                <a:spcPts val="0"/>
+              </a:spcAft>
+              <a:buNone/>
+            </a:pPr>
+            <a:r>
+              <a:rPr lang="en-US" sz="1800" dirty="0" err="1">
+                <a:solidFill>
+                  <a:schemeClr val="tx1"/>
+                </a:solidFill>
+              </a:rPr>
+              <a:t>Jahr</a:t>
+            </a:r>
+            <a:r>
+              <a:rPr lang="en-US" sz="1800" dirty="0">
+                <a:solidFill>
+                  <a:schemeClr val="tx1"/>
+                </a:solidFill>
+              </a:rPr>
+              <a:t>: 2009</a:t>
+            </a:r>
+          </a:p>
+          <a:p>
+            <a:pPr marL="0" indent="0" algn="l">
+              <a:spcBef>
+                <a:spcPts val="0"/>
+              </a:spcBef>
+              <a:spcAft>
+                <a:spcPts val="0"/>
+              </a:spcAft>
+              <a:buNone/>
+            </a:pPr>
+            <a:r>
+              <a:rPr lang="en-US" sz="1800" dirty="0">
+                <a:solidFill>
+                  <a:schemeClr val="tx1"/>
+                </a:solidFill>
+              </a:rPr>
+              <a:t>Verlag: Wiley</a:t>
+            </a:r>
+          </a:p>
+          <a:p>
+            <a:pPr marL="0" indent="0" algn="l">
+              <a:spcBef>
+                <a:spcPts val="0"/>
+              </a:spcBef>
+              <a:spcAft>
+                <a:spcPts val="0"/>
+              </a:spcAft>
+              <a:buNone/>
+            </a:pPr>
+            <a:r>
+              <a:rPr lang="de-DE" sz="1800" dirty="0">
+                <a:solidFill>
+                  <a:schemeClr val="tx1"/>
+                </a:solidFill>
+              </a:rPr>
+              <a:t>ISBN-10: </a:t>
+            </a:r>
+            <a:r>
+              <a:rPr lang="de-DE" sz="1800" dirty="0">
+                <a:solidFill>
+                  <a:schemeClr val="tx1"/>
+                </a:solidFill>
+                <a:effectLst/>
+              </a:rPr>
+              <a:t>0-470-50383-1</a:t>
+            </a:r>
+          </a:p>
+          <a:p>
+            <a:pPr marL="0" indent="0">
+              <a:spcBef>
+                <a:spcPts val="0"/>
+              </a:spcBef>
+              <a:spcAft>
+                <a:spcPts val="0"/>
+              </a:spcAft>
+              <a:buNone/>
+            </a:pPr>
+            <a:r>
+              <a:rPr lang="de-DE" sz="1800" dirty="0">
+                <a:solidFill>
+                  <a:schemeClr val="tx1"/>
+                </a:solidFill>
+              </a:rPr>
+              <a:t>ISBN-13: </a:t>
+            </a:r>
+            <a:r>
+              <a:rPr lang="de-DE" sz="1800" dirty="0">
+                <a:solidFill>
+                  <a:schemeClr val="tx1"/>
+                </a:solidFill>
+                <a:effectLst/>
+              </a:rPr>
+              <a:t>978-0-470-50383-6</a:t>
+            </a:r>
+            <a:endParaRPr lang="de-DE" sz="1800" dirty="0">
+              <a:solidFill>
+                <a:schemeClr val="tx1"/>
+              </a:solidFill>
+            </a:endParaRPr>
+          </a:p>
+          <a:p>
+            <a:pPr marL="0" indent="0">
+              <a:spcBef>
+                <a:spcPts val="0"/>
+              </a:spcBef>
+              <a:spcAft>
+                <a:spcPts val="0"/>
+              </a:spcAft>
+              <a:buNone/>
+            </a:pPr>
+            <a:r>
+              <a:rPr lang="de-DE" sz="1800" dirty="0">
+                <a:solidFill>
+                  <a:schemeClr val="tx1"/>
+                </a:solidFill>
+              </a:rPr>
+              <a:t>Seite 494/495</a:t>
+            </a:r>
+          </a:p>
+          <a:p>
+            <a:endParaRPr lang="de-DE" dirty="0"/>
+          </a:p>
+        </p:txBody>
+      </p:sp>
+    </p:spTree>
+    <p:extLst>
+      <p:ext uri="{BB962C8B-B14F-4D97-AF65-F5344CB8AC3E}">
+        <p14:creationId xmlns:p14="http://schemas.microsoft.com/office/powerpoint/2010/main" val="1527458650"/>
+      </p:ext>
+    </p:extLst>
+  </p:cSld>
+  <p:clrMapOvr>
+    <a:masterClrMapping/>
+  </p:clrMapOvr>
+</p:sld>
+</file>
+
+<file path=ppt/slides/slide18.xml><?xml version="1.0" encoding="utf-8"?>
+<p:sld xmlns:a="http://schemas.openxmlformats.org/drawingml/2006/main" xmlns:r="http://schemas.openxmlformats.org/officeDocument/2006/relationships" xmlns:p="http://schemas.openxmlformats.org/presentationml/2006/main">
+  <p:cSld>
+    <p:spTree>
+      <p:nvGrpSpPr>
+        <p:cNvPr id="1" name=""/>
+        <p:cNvGrpSpPr/>
+        <p:nvPr/>
+      </p:nvGrpSpPr>
+      <p:grpSpPr>
+        <a:xfrm>
+          <a:off x="0" y="0"/>
+          <a:ext cx="0" cy="0"/>
+          <a:chOff x="0" y="0"/>
+          <a:chExt cx="0" cy="0"/>
+        </a:xfrm>
+      </p:grpSpPr>
+      <p:sp>
+        <p:nvSpPr>
+          <p:cNvPr id="2" name="Titel 1">
+            <a:extLst>
+              <a:ext uri="{FF2B5EF4-FFF2-40B4-BE49-F238E27FC236}">
                 <a16:creationId xmlns:a16="http://schemas.microsoft.com/office/drawing/2014/main" id="{3B3E5B49-1551-4DB1-82BD-F6D9D0B88437}"/>
               </a:ext>
             </a:extLst>
@@ -6292,7 +10337,7 @@
 </p:sld>
 </file>
 
-<file path=ppt/slides/slide15.xml><?xml version="1.0" encoding="utf-8"?>
+<file path=ppt/slides/slide19.xml><?xml version="1.0" encoding="utf-8"?>
 <p:sld xmlns:a="http://schemas.openxmlformats.org/drawingml/2006/main" xmlns:r="http://schemas.openxmlformats.org/officeDocument/2006/relationships" xmlns:p="http://schemas.openxmlformats.org/presentationml/2006/main">
   <p:cSld>
     <p:spTree>
@@ -7041,7 +11086,7 @@
           <p:cNvPr id="2" name="Titel 1">
             <a:extLst>
               <a:ext uri="{FF2B5EF4-FFF2-40B4-BE49-F238E27FC236}">
-                <a16:creationId xmlns:a16="http://schemas.microsoft.com/office/drawing/2014/main" id="{04893DF2-4D16-4648-91B4-E4D0EA97615C}"/>
+                <a16:creationId xmlns:a16="http://schemas.microsoft.com/office/drawing/2014/main" id="{F6BA7ED1-E267-434D-A607-CAB5FB443CE3}"/>
               </a:ext>
             </a:extLst>
           </p:cNvPr>
@@ -7054,13 +11099,19 @@
         </p:nvSpPr>
         <p:spPr/>
         <p:txBody>
-          <a:bodyPr/>
+          <a:bodyPr>
+            <a:normAutofit/>
+          </a:bodyPr>
           <a:lstStyle/>
           <a:p>
             <a:pPr algn="ctr"/>
             <a:r>
-              <a:rPr lang="de-DE" dirty="0"/>
-              <a:t>PERT - Methode</a:t>
+              <a:rPr lang="de-DE" sz="4000" dirty="0"/>
+              <a:t>PERT – </a:t>
+            </a:r>
+            <a:r>
+              <a:rPr lang="en-US" sz="4000" dirty="0"/>
+              <a:t>Program evaluation and review technique</a:t>
             </a:r>
           </a:p>
         </p:txBody>
@@ -7070,7 +11121,7 @@
           <p:cNvPr id="3" name="Inhaltsplatzhalter 2">
             <a:extLst>
               <a:ext uri="{FF2B5EF4-FFF2-40B4-BE49-F238E27FC236}">
-                <a16:creationId xmlns:a16="http://schemas.microsoft.com/office/drawing/2014/main" id="{BA0D6807-9189-4E92-97B3-4675DBE23487}"/>
+                <a16:creationId xmlns:a16="http://schemas.microsoft.com/office/drawing/2014/main" id="{2E53AB13-A675-4E18-B83D-C6F5D8E68150}"/>
               </a:ext>
             </a:extLst>
           </p:cNvPr>
@@ -7086,14 +11137,41 @@
           <a:bodyPr/>
           <a:lstStyle/>
           <a:p>
-            <a:endParaRPr lang="de-DE"/>
+            <a:r>
+              <a:rPr lang="de-DE" dirty="0"/>
+              <a:t>Schätzungsmethode aus dem Projektmanagement-Feld</a:t>
+            </a:r>
+          </a:p>
+          <a:p>
+            <a:r>
+              <a:rPr lang="de-DE" dirty="0"/>
+              <a:t>Auch: PERT-Schätzung, Dreipunktschätzung, Drei-Zeiten-Methode</a:t>
+            </a:r>
+          </a:p>
+          <a:p>
+            <a:r>
+              <a:rPr lang="de-DE" dirty="0"/>
+              <a:t>Zeitschätzung, keine Kosten</a:t>
+            </a:r>
+          </a:p>
+          <a:p>
+            <a:r>
+              <a:rPr lang="de-DE" dirty="0"/>
+              <a:t>Identifikation der wahrscheinlichsten Verzögerungsursachen</a:t>
+            </a:r>
+          </a:p>
+          <a:p>
+            <a:r>
+              <a:rPr lang="de-DE" dirty="0"/>
+              <a:t>PERT-Diagramm</a:t>
+            </a:r>
           </a:p>
         </p:txBody>
       </p:sp>
     </p:spTree>
     <p:extLst>
       <p:ext uri="{BB962C8B-B14F-4D97-AF65-F5344CB8AC3E}">
-        <p14:creationId xmlns:p14="http://schemas.microsoft.com/office/powerpoint/2010/main" val="1084263834"/>
+        <p14:creationId xmlns:p14="http://schemas.microsoft.com/office/powerpoint/2010/main" val="2699137410"/>
       </p:ext>
     </p:extLst>
   </p:cSld>

--- a/A1008.pptx
+++ b/A1008.pptx
@@ -5902,6 +5902,7 @@
           </a:bodyPr>
           <a:lstStyle/>
           <a:p>
+            <a:pPr algn="ctr"/>
             <a:r>
               <a:rPr lang="de-DE" sz="4000" dirty="0"/>
               <a:t>PERT – Funktionsweise</a:t>
@@ -5910,8 +5911,8 @@
           </a:p>
         </p:txBody>
       </p:sp>
-      <mc:AlternateContent xmlns:mc="http://schemas.openxmlformats.org/markup-compatibility/2006">
-        <mc:Choice xmlns:a14="http://schemas.microsoft.com/office/drawing/2010/main" Requires="a14">
+      <mc:AlternateContent xmlns:mc="http://schemas.openxmlformats.org/markup-compatibility/2006" xmlns:a14="http://schemas.microsoft.com/office/drawing/2010/main">
+        <mc:Choice Requires="a14">
           <p:sp>
             <p:nvSpPr>
               <p:cNvPr id="3" name="Inhaltsplatzhalter 2">
@@ -6010,7 +6011,7 @@
                     <m:f>
                       <m:fPr>
                         <m:ctrlPr>
-                          <a:rPr lang="de-DE" sz="2400" dirty="0" smtClean="0">
+                          <a:rPr lang="de-DE" sz="2400" i="1" dirty="0" smtClean="0">
                             <a:solidFill>
                               <a:schemeClr val="tx1"/>
                             </a:solidFill>
@@ -6035,7 +6036,7 @@
                         <m:sSub>
                           <m:sSubPr>
                             <m:ctrlPr>
-                              <a:rPr lang="de-DE" sz="2400" dirty="0" smtClean="0">
+                              <a:rPr lang="de-DE" sz="2400" i="1" dirty="0" smtClean="0">
                                 <a:solidFill>
                                   <a:schemeClr val="tx1"/>
                                 </a:solidFill>
@@ -6085,7 +6086,7 @@
                         <m:sSub>
                           <m:sSubPr>
                             <m:ctrlPr>
-                              <a:rPr lang="de-DE" sz="2400" dirty="0" smtClean="0">
+                              <a:rPr lang="de-DE" sz="2400" i="1" dirty="0" smtClean="0">
                                 <a:solidFill>
                                   <a:schemeClr val="tx1"/>
                                 </a:solidFill>
@@ -6142,7 +6143,7 @@
                         <m:sSub>
                           <m:sSubPr>
                             <m:ctrlPr>
-                              <a:rPr lang="de-DE" sz="2400" dirty="0" smtClean="0">
+                              <a:rPr lang="de-DE" sz="2400" i="1" dirty="0" smtClean="0">
                                 <a:solidFill>
                                   <a:schemeClr val="tx1"/>
                                 </a:solidFill>
@@ -6273,7 +6274,7 @@
             </p:txBody>
           </p:sp>
         </mc:Choice>
-        <mc:Fallback>
+        <mc:Fallback xmlns="">
           <p:sp>
             <p:nvSpPr>
               <p:cNvPr id="3" name="Inhaltsplatzhalter 2">
@@ -9366,6 +9367,7 @@
           <a:bodyPr/>
           <a:lstStyle/>
           <a:p>
+            <a:pPr algn="ctr"/>
             <a:r>
               <a:rPr lang="de-DE" dirty="0"/>
               <a:t>PERT - Anwendungsgebiete</a:t>
@@ -9464,6 +9466,7 @@
           <a:bodyPr/>
           <a:lstStyle/>
           <a:p>
+            <a:pPr algn="ctr"/>
             <a:r>
               <a:rPr lang="de-DE" dirty="0"/>
               <a:t>PERT – Vor-/Nachteile</a:t>
@@ -9473,10 +9476,10 @@
       </p:sp>
       <p:sp>
         <p:nvSpPr>
-          <p:cNvPr id="3" name="Inhaltsplatzhalter 2">
+          <p:cNvPr id="10" name="Textplatzhalter 9">
             <a:extLst>
               <a:ext uri="{FF2B5EF4-FFF2-40B4-BE49-F238E27FC236}">
-                <a16:creationId xmlns:a16="http://schemas.microsoft.com/office/drawing/2014/main" id="{4F4F524A-DB81-4070-92C5-A03F02112D0F}"/>
+                <a16:creationId xmlns:a16="http://schemas.microsoft.com/office/drawing/2014/main" id="{1F0B6505-1472-434E-8141-64E65E56351B}"/>
               </a:ext>
             </a:extLst>
           </p:cNvPr>
@@ -9484,32 +9487,105 @@
             <a:spLocks noGrp="1"/>
           </p:cNvSpPr>
           <p:nvPr>
-            <p:ph idx="1"/>
-          </p:nvPr>
-        </p:nvSpPr>
-        <p:spPr>
-          <a:xfrm>
-            <a:off x="838200" y="1825625"/>
-            <a:ext cx="4930302" cy="4351338"/>
-          </a:xfrm>
-        </p:spPr>
+            <p:ph type="body" idx="1"/>
+          </p:nvPr>
+        </p:nvSpPr>
+        <p:spPr/>
         <p:txBody>
           <a:bodyPr/>
           <a:lstStyle/>
           <a:p>
-            <a:pPr marL="0" indent="0">
-              <a:buNone/>
-            </a:pPr>
             <a:r>
               <a:rPr lang="de-DE" dirty="0"/>
               <a:t>Vorteile</a:t>
             </a:r>
           </a:p>
+        </p:txBody>
+      </p:sp>
+      <p:sp>
+        <p:nvSpPr>
+          <p:cNvPr id="11" name="Inhaltsplatzhalter 10">
+            <a:extLst>
+              <a:ext uri="{FF2B5EF4-FFF2-40B4-BE49-F238E27FC236}">
+                <a16:creationId xmlns:a16="http://schemas.microsoft.com/office/drawing/2014/main" id="{07EABF6F-C16F-499F-8894-01DE0AA9633C}"/>
+              </a:ext>
+            </a:extLst>
+          </p:cNvPr>
+          <p:cNvSpPr>
+            <a:spLocks noGrp="1"/>
+          </p:cNvSpPr>
+          <p:nvPr>
+            <p:ph sz="half" idx="2"/>
+          </p:nvPr>
+        </p:nvSpPr>
+        <p:spPr/>
+        <p:txBody>
+          <a:bodyPr/>
+          <a:lstStyle/>
           <a:p>
             <a:r>
               <a:rPr lang="de-DE" dirty="0"/>
-              <a:t>toll</a:t>
-            </a:r>
+              <a:t>Toll</a:t>
+            </a:r>
+          </a:p>
+        </p:txBody>
+      </p:sp>
+      <p:sp>
+        <p:nvSpPr>
+          <p:cNvPr id="12" name="Textplatzhalter 11">
+            <a:extLst>
+              <a:ext uri="{FF2B5EF4-FFF2-40B4-BE49-F238E27FC236}">
+                <a16:creationId xmlns:a16="http://schemas.microsoft.com/office/drawing/2014/main" id="{FEEA7A48-9D4D-4901-AF80-A8240106FD0F}"/>
+              </a:ext>
+            </a:extLst>
+          </p:cNvPr>
+          <p:cNvSpPr>
+            <a:spLocks noGrp="1"/>
+          </p:cNvSpPr>
+          <p:nvPr>
+            <p:ph type="body" sz="quarter" idx="3"/>
+          </p:nvPr>
+        </p:nvSpPr>
+        <p:spPr/>
+        <p:txBody>
+          <a:bodyPr/>
+          <a:lstStyle/>
+          <a:p>
+            <a:r>
+              <a:rPr lang="de-DE" dirty="0"/>
+              <a:t>Nachteile</a:t>
+            </a:r>
+          </a:p>
+        </p:txBody>
+      </p:sp>
+      <p:sp>
+        <p:nvSpPr>
+          <p:cNvPr id="13" name="Inhaltsplatzhalter 12">
+            <a:extLst>
+              <a:ext uri="{FF2B5EF4-FFF2-40B4-BE49-F238E27FC236}">
+                <a16:creationId xmlns:a16="http://schemas.microsoft.com/office/drawing/2014/main" id="{AC978759-68FD-40C3-8900-0D0550BCF179}"/>
+              </a:ext>
+            </a:extLst>
+          </p:cNvPr>
+          <p:cNvSpPr>
+            <a:spLocks noGrp="1"/>
+          </p:cNvSpPr>
+          <p:nvPr>
+            <p:ph sz="quarter" idx="4"/>
+          </p:nvPr>
+        </p:nvSpPr>
+        <p:spPr/>
+        <p:txBody>
+          <a:bodyPr/>
+          <a:lstStyle/>
+          <a:p>
+            <a:r>
+              <a:rPr lang="de-DE" dirty="0"/>
+              <a:t>Erstellung erfordert hohen Zeit- und Arbeitsaufwand</a:t>
+            </a:r>
+          </a:p>
+          <a:p>
+            <a:endParaRPr lang="de-DE" dirty="0"/>
           </a:p>
         </p:txBody>
       </p:sp>
@@ -9708,16 +9784,7 @@
             <a:pPr marL="0" indent="0">
               <a:buNone/>
             </a:pPr>
-            <a:r>
-              <a:rPr lang="de-DE" dirty="0"/>
-              <a:t>Nachteile</a:t>
-            </a:r>
-          </a:p>
-          <a:p>
-            <a:r>
-              <a:rPr lang="de-DE" dirty="0"/>
-              <a:t>Erstellung erfordert hohen Zeit- und Arbeitsaufwand</a:t>
-            </a:r>
+            <a:endParaRPr lang="de-DE" dirty="0"/>
           </a:p>
         </p:txBody>
       </p:sp>
